--- a/Idea_Pitch.pptx
+++ b/Idea_Pitch.pptx
@@ -104,6 +104,11 @@
       </a:defRPr>
     </a:lvl9pPr>
   </p:defaultTextStyle>
+  <p:extLst>
+    <p:ext uri="{EFAFB233-063F-42B5-8137-9DF3F51BA10A}">
+      <p15:sldGuideLst xmlns:p15="http://schemas.microsoft.com/office/powerpoint/2012/main"/>
+    </p:ext>
+  </p:extLst>
 </p:presentation>
 </file>
 
@@ -3342,7 +3347,10 @@
           <a:bodyPr/>
           <a:lstStyle/>
           <a:p>
-            <a:endParaRPr lang="de-DE"/>
+            <a:r>
+              <a:rPr lang="de-DE"/>
+              <a:t>Pitch</a:t>
+            </a:r>
           </a:p>
         </p:txBody>
       </p:sp>

--- a/Idea_Pitch.pptx
+++ b/Idea_Pitch.pptx
@@ -6,6 +6,9 @@
   </p:sldMasterIdLst>
   <p:sldIdLst>
     <p:sldId id="256" r:id="rId2"/>
+    <p:sldId id="257" r:id="rId3"/>
+    <p:sldId id="258" r:id="rId4"/>
+    <p:sldId id="259" r:id="rId5"/>
   </p:sldIdLst>
   <p:sldSz cx="12192000" cy="6858000"/>
   <p:notesSz cx="6858000" cy="9144000"/>
@@ -259,7 +262,7 @@
           <a:p>
             <a:fld id="{807B79D4-6B5A-1F4B-893F-FAFE452DC4BF}" type="datetimeFigureOut">
               <a:rPr lang="de-DE" smtClean="0"/>
-              <a:t>01.10.19</a:t>
+              <a:t>02.10.2019</a:t>
             </a:fld>
             <a:endParaRPr lang="de-DE"/>
           </a:p>
@@ -457,7 +460,7 @@
           <a:p>
             <a:fld id="{807B79D4-6B5A-1F4B-893F-FAFE452DC4BF}" type="datetimeFigureOut">
               <a:rPr lang="de-DE" smtClean="0"/>
-              <a:t>01.10.19</a:t>
+              <a:t>02.10.2019</a:t>
             </a:fld>
             <a:endParaRPr lang="de-DE"/>
           </a:p>
@@ -665,7 +668,7 @@
           <a:p>
             <a:fld id="{807B79D4-6B5A-1F4B-893F-FAFE452DC4BF}" type="datetimeFigureOut">
               <a:rPr lang="de-DE" smtClean="0"/>
-              <a:t>01.10.19</a:t>
+              <a:t>02.10.2019</a:t>
             </a:fld>
             <a:endParaRPr lang="de-DE"/>
           </a:p>
@@ -863,7 +866,7 @@
           <a:p>
             <a:fld id="{807B79D4-6B5A-1F4B-893F-FAFE452DC4BF}" type="datetimeFigureOut">
               <a:rPr lang="de-DE" smtClean="0"/>
-              <a:t>01.10.19</a:t>
+              <a:t>02.10.2019</a:t>
             </a:fld>
             <a:endParaRPr lang="de-DE"/>
           </a:p>
@@ -1138,7 +1141,7 @@
           <a:p>
             <a:fld id="{807B79D4-6B5A-1F4B-893F-FAFE452DC4BF}" type="datetimeFigureOut">
               <a:rPr lang="de-DE" smtClean="0"/>
-              <a:t>01.10.19</a:t>
+              <a:t>02.10.2019</a:t>
             </a:fld>
             <a:endParaRPr lang="de-DE"/>
           </a:p>
@@ -1403,7 +1406,7 @@
           <a:p>
             <a:fld id="{807B79D4-6B5A-1F4B-893F-FAFE452DC4BF}" type="datetimeFigureOut">
               <a:rPr lang="de-DE" smtClean="0"/>
-              <a:t>01.10.19</a:t>
+              <a:t>02.10.2019</a:t>
             </a:fld>
             <a:endParaRPr lang="de-DE"/>
           </a:p>
@@ -1815,7 +1818,7 @@
           <a:p>
             <a:fld id="{807B79D4-6B5A-1F4B-893F-FAFE452DC4BF}" type="datetimeFigureOut">
               <a:rPr lang="de-DE" smtClean="0"/>
-              <a:t>01.10.19</a:t>
+              <a:t>02.10.2019</a:t>
             </a:fld>
             <a:endParaRPr lang="de-DE"/>
           </a:p>
@@ -1956,7 +1959,7 @@
           <a:p>
             <a:fld id="{807B79D4-6B5A-1F4B-893F-FAFE452DC4BF}" type="datetimeFigureOut">
               <a:rPr lang="de-DE" smtClean="0"/>
-              <a:t>01.10.19</a:t>
+              <a:t>02.10.2019</a:t>
             </a:fld>
             <a:endParaRPr lang="de-DE"/>
           </a:p>
@@ -2069,7 +2072,7 @@
           <a:p>
             <a:fld id="{807B79D4-6B5A-1F4B-893F-FAFE452DC4BF}" type="datetimeFigureOut">
               <a:rPr lang="de-DE" smtClean="0"/>
-              <a:t>01.10.19</a:t>
+              <a:t>02.10.2019</a:t>
             </a:fld>
             <a:endParaRPr lang="de-DE"/>
           </a:p>
@@ -2380,7 +2383,7 @@
           <a:p>
             <a:fld id="{807B79D4-6B5A-1F4B-893F-FAFE452DC4BF}" type="datetimeFigureOut">
               <a:rPr lang="de-DE" smtClean="0"/>
-              <a:t>01.10.19</a:t>
+              <a:t>02.10.2019</a:t>
             </a:fld>
             <a:endParaRPr lang="de-DE"/>
           </a:p>
@@ -2668,7 +2671,7 @@
           <a:p>
             <a:fld id="{807B79D4-6B5A-1F4B-893F-FAFE452DC4BF}" type="datetimeFigureOut">
               <a:rPr lang="de-DE" smtClean="0"/>
-              <a:t>01.10.19</a:t>
+              <a:t>02.10.2019</a:t>
             </a:fld>
             <a:endParaRPr lang="de-DE"/>
           </a:p>
@@ -2795,7 +2798,7 @@
           <a:lstStyle/>
           <a:p>
             <a:r>
-              <a:rPr lang="de-DE"/>
+              <a:rPr lang="de-DE" dirty="0"/>
               <a:t>Mastertitelformat bearbeiten</a:t>
             </a:r>
           </a:p>
@@ -2834,35 +2837,35 @@
           <a:p>
             <a:pPr lvl="0"/>
             <a:r>
-              <a:rPr lang="de-DE"/>
+              <a:rPr lang="de-DE" dirty="0"/>
               <a:t>Mastertextformat bearbeiten</a:t>
             </a:r>
           </a:p>
           <a:p>
             <a:pPr lvl="1"/>
             <a:r>
-              <a:rPr lang="de-DE"/>
+              <a:rPr lang="de-DE" dirty="0"/>
               <a:t>Zweite Ebene</a:t>
             </a:r>
           </a:p>
           <a:p>
             <a:pPr lvl="2"/>
             <a:r>
-              <a:rPr lang="de-DE"/>
+              <a:rPr lang="de-DE" dirty="0"/>
               <a:t>Dritte Ebene</a:t>
             </a:r>
           </a:p>
           <a:p>
             <a:pPr lvl="3"/>
             <a:r>
-              <a:rPr lang="de-DE"/>
+              <a:rPr lang="de-DE" dirty="0"/>
               <a:t>Vierte Ebene</a:t>
             </a:r>
           </a:p>
           <a:p>
             <a:pPr lvl="4"/>
             <a:r>
-              <a:rPr lang="de-DE"/>
+              <a:rPr lang="de-DE" dirty="0"/>
               <a:t>Fünfte Ebene</a:t>
             </a:r>
           </a:p>
@@ -2909,7 +2912,7 @@
           <a:p>
             <a:fld id="{807B79D4-6B5A-1F4B-893F-FAFE452DC4BF}" type="datetimeFigureOut">
               <a:rPr lang="de-DE" smtClean="0"/>
-              <a:t>01.10.19</a:t>
+              <a:t>02.10.2019</a:t>
             </a:fld>
             <a:endParaRPr lang="de-DE"/>
           </a:p>
@@ -3040,8 +3043,8 @@
           <a:solidFill>
             <a:schemeClr val="tx1"/>
           </a:solidFill>
-          <a:latin typeface="+mj-lt"/>
-          <a:ea typeface="+mj-ea"/>
+          <a:latin typeface="Verdana" panose="020B0604030504040204" pitchFamily="34" charset="0"/>
+          <a:ea typeface="Verdana" panose="020B0604030504040204" pitchFamily="34" charset="0"/>
           <a:cs typeface="+mj-cs"/>
         </a:defRPr>
       </a:lvl1pPr>
@@ -3060,8 +3063,8 @@
           <a:solidFill>
             <a:schemeClr val="tx1"/>
           </a:solidFill>
-          <a:latin typeface="+mn-lt"/>
-          <a:ea typeface="+mn-ea"/>
+          <a:latin typeface="Verdana" panose="020B0604030504040204" pitchFamily="34" charset="0"/>
+          <a:ea typeface="Verdana" panose="020B0604030504040204" pitchFamily="34" charset="0"/>
           <a:cs typeface="+mn-cs"/>
         </a:defRPr>
       </a:lvl1pPr>
@@ -3078,8 +3081,8 @@
           <a:solidFill>
             <a:schemeClr val="tx1"/>
           </a:solidFill>
-          <a:latin typeface="+mn-lt"/>
-          <a:ea typeface="+mn-ea"/>
+          <a:latin typeface="Verdana" panose="020B0604030504040204" pitchFamily="34" charset="0"/>
+          <a:ea typeface="Verdana" panose="020B0604030504040204" pitchFamily="34" charset="0"/>
           <a:cs typeface="+mn-cs"/>
         </a:defRPr>
       </a:lvl2pPr>
@@ -3096,8 +3099,8 @@
           <a:solidFill>
             <a:schemeClr val="tx1"/>
           </a:solidFill>
-          <a:latin typeface="+mn-lt"/>
-          <a:ea typeface="+mn-ea"/>
+          <a:latin typeface="Verdana" panose="020B0604030504040204" pitchFamily="34" charset="0"/>
+          <a:ea typeface="Verdana" panose="020B0604030504040204" pitchFamily="34" charset="0"/>
           <a:cs typeface="+mn-cs"/>
         </a:defRPr>
       </a:lvl3pPr>
@@ -3114,8 +3117,8 @@
           <a:solidFill>
             <a:schemeClr val="tx1"/>
           </a:solidFill>
-          <a:latin typeface="+mn-lt"/>
-          <a:ea typeface="+mn-ea"/>
+          <a:latin typeface="Verdana" panose="020B0604030504040204" pitchFamily="34" charset="0"/>
+          <a:ea typeface="Verdana" panose="020B0604030504040204" pitchFamily="34" charset="0"/>
           <a:cs typeface="+mn-cs"/>
         </a:defRPr>
       </a:lvl4pPr>
@@ -3132,8 +3135,8 @@
           <a:solidFill>
             <a:schemeClr val="tx1"/>
           </a:solidFill>
-          <a:latin typeface="+mn-lt"/>
-          <a:ea typeface="+mn-ea"/>
+          <a:latin typeface="Verdana" panose="020B0604030504040204" pitchFamily="34" charset="0"/>
+          <a:ea typeface="Verdana" panose="020B0604030504040204" pitchFamily="34" charset="0"/>
           <a:cs typeface="+mn-cs"/>
         </a:defRPr>
       </a:lvl5pPr>
@@ -3344,13 +3347,36 @@
         </p:nvSpPr>
         <p:spPr/>
         <p:txBody>
-          <a:bodyPr/>
-          <a:lstStyle/>
-          <a:p>
-            <a:r>
-              <a:rPr lang="de-DE"/>
-              <a:t>Pitch</a:t>
-            </a:r>
+          <a:bodyPr>
+            <a:normAutofit/>
+          </a:bodyPr>
+          <a:lstStyle/>
+          <a:p>
+            <a:r>
+              <a:rPr lang="de-DE" dirty="0"/>
+              <a:t>Digital </a:t>
+            </a:r>
+            <a:r>
+              <a:rPr lang="de-DE" dirty="0" err="1"/>
+              <a:t>Assistant</a:t>
+            </a:r>
+            <a:r>
+              <a:rPr lang="de-DE" dirty="0"/>
+              <a:t> </a:t>
+            </a:r>
+            <a:r>
+              <a:rPr lang="de-DE" dirty="0" err="1"/>
+              <a:t>for</a:t>
+            </a:r>
+            <a:r>
+              <a:rPr lang="de-DE" dirty="0"/>
+              <a:t> </a:t>
+            </a:r>
+            <a:r>
+              <a:rPr lang="de-DE" dirty="0" err="1"/>
+              <a:t>Students</a:t>
+            </a:r>
+            <a:endParaRPr lang="de-DE" dirty="0"/>
           </a:p>
         </p:txBody>
       </p:sp>
@@ -3370,12 +3396,25 @@
             <p:ph type="subTitle" idx="1"/>
           </p:nvPr>
         </p:nvSpPr>
-        <p:spPr/>
-        <p:txBody>
-          <a:bodyPr/>
-          <a:lstStyle/>
-          <a:p>
-            <a:endParaRPr lang="de-DE"/>
+        <p:spPr>
+          <a:xfrm>
+            <a:off x="1524000" y="4022662"/>
+            <a:ext cx="9144000" cy="1655762"/>
+          </a:xfrm>
+        </p:spPr>
+        <p:txBody>
+          <a:bodyPr/>
+          <a:lstStyle/>
+          <a:p>
+            <a:r>
+              <a:rPr lang="de-DE" dirty="0"/>
+              <a:t>Agile Business Analysis </a:t>
+            </a:r>
+            <a:r>
+              <a:rPr lang="de-DE" dirty="0" err="1"/>
+              <a:t>tool</a:t>
+            </a:r>
+            <a:endParaRPr lang="de-DE" dirty="0"/>
           </a:p>
         </p:txBody>
       </p:sp>
@@ -3383,6 +3422,290 @@
     <p:extLst>
       <p:ext uri="{BB962C8B-B14F-4D97-AF65-F5344CB8AC3E}">
         <p14:creationId xmlns:p14="http://schemas.microsoft.com/office/powerpoint/2010/main" val="3216633932"/>
+      </p:ext>
+    </p:extLst>
+  </p:cSld>
+  <p:clrMapOvr>
+    <a:masterClrMapping/>
+  </p:clrMapOvr>
+</p:sld>
+</file>
+
+<file path=ppt/slides/slide2.xml><?xml version="1.0" encoding="utf-8"?>
+<p:sld xmlns:a="http://schemas.openxmlformats.org/drawingml/2006/main" xmlns:r="http://schemas.openxmlformats.org/officeDocument/2006/relationships" xmlns:p="http://schemas.openxmlformats.org/presentationml/2006/main">
+  <p:cSld>
+    <p:spTree>
+      <p:nvGrpSpPr>
+        <p:cNvPr id="1" name=""/>
+        <p:cNvGrpSpPr/>
+        <p:nvPr/>
+      </p:nvGrpSpPr>
+      <p:grpSpPr>
+        <a:xfrm>
+          <a:off x="0" y="0"/>
+          <a:ext cx="0" cy="0"/>
+          <a:chOff x="0" y="0"/>
+          <a:chExt cx="0" cy="0"/>
+        </a:xfrm>
+      </p:grpSpPr>
+      <p:sp>
+        <p:nvSpPr>
+          <p:cNvPr id="2" name="Titel 1">
+            <a:extLst>
+              <a:ext uri="{FF2B5EF4-FFF2-40B4-BE49-F238E27FC236}">
+                <a16:creationId xmlns:a16="http://schemas.microsoft.com/office/drawing/2014/main" id="{9524FC04-DEA8-4C03-97DE-A36056F91501}"/>
+              </a:ext>
+            </a:extLst>
+          </p:cNvPr>
+          <p:cNvSpPr>
+            <a:spLocks noGrp="1"/>
+          </p:cNvSpPr>
+          <p:nvPr>
+            <p:ph type="title"/>
+          </p:nvPr>
+        </p:nvSpPr>
+        <p:spPr/>
+        <p:txBody>
+          <a:bodyPr/>
+          <a:lstStyle/>
+          <a:p>
+            <a:r>
+              <a:rPr lang="de-CH" dirty="0"/>
+              <a:t>Future </a:t>
+            </a:r>
+            <a:r>
+              <a:rPr lang="de-CH" dirty="0" err="1"/>
+              <a:t>state</a:t>
+            </a:r>
+            <a:endParaRPr lang="de-CH" dirty="0"/>
+          </a:p>
+        </p:txBody>
+      </p:sp>
+      <p:sp>
+        <p:nvSpPr>
+          <p:cNvPr id="3" name="Inhaltsplatzhalter 2">
+            <a:extLst>
+              <a:ext uri="{FF2B5EF4-FFF2-40B4-BE49-F238E27FC236}">
+                <a16:creationId xmlns:a16="http://schemas.microsoft.com/office/drawing/2014/main" id="{2F325C42-92B9-4D8F-9EA3-3F512E0E0AA5}"/>
+              </a:ext>
+            </a:extLst>
+          </p:cNvPr>
+          <p:cNvSpPr>
+            <a:spLocks noGrp="1"/>
+          </p:cNvSpPr>
+          <p:nvPr>
+            <p:ph idx="1"/>
+          </p:nvPr>
+        </p:nvSpPr>
+        <p:spPr/>
+        <p:txBody>
+          <a:bodyPr/>
+          <a:lstStyle/>
+          <a:p>
+            <a:endParaRPr lang="de-CH"/>
+          </a:p>
+        </p:txBody>
+      </p:sp>
+    </p:spTree>
+    <p:extLst>
+      <p:ext uri="{BB962C8B-B14F-4D97-AF65-F5344CB8AC3E}">
+        <p14:creationId xmlns:p14="http://schemas.microsoft.com/office/powerpoint/2010/main" val="2674610958"/>
+      </p:ext>
+    </p:extLst>
+  </p:cSld>
+  <p:clrMapOvr>
+    <a:masterClrMapping/>
+  </p:clrMapOvr>
+</p:sld>
+</file>
+
+<file path=ppt/slides/slide3.xml><?xml version="1.0" encoding="utf-8"?>
+<p:sld xmlns:a="http://schemas.openxmlformats.org/drawingml/2006/main" xmlns:r="http://schemas.openxmlformats.org/officeDocument/2006/relationships" xmlns:p="http://schemas.openxmlformats.org/presentationml/2006/main">
+  <p:cSld>
+    <p:spTree>
+      <p:nvGrpSpPr>
+        <p:cNvPr id="1" name=""/>
+        <p:cNvGrpSpPr/>
+        <p:nvPr/>
+      </p:nvGrpSpPr>
+      <p:grpSpPr>
+        <a:xfrm>
+          <a:off x="0" y="0"/>
+          <a:ext cx="0" cy="0"/>
+          <a:chOff x="0" y="0"/>
+          <a:chExt cx="0" cy="0"/>
+        </a:xfrm>
+      </p:grpSpPr>
+      <p:sp>
+        <p:nvSpPr>
+          <p:cNvPr id="2" name="Titel 1">
+            <a:extLst>
+              <a:ext uri="{FF2B5EF4-FFF2-40B4-BE49-F238E27FC236}">
+                <a16:creationId xmlns:a16="http://schemas.microsoft.com/office/drawing/2014/main" id="{2856378C-FC20-4198-BD08-BDFAEED4A072}"/>
+              </a:ext>
+            </a:extLst>
+          </p:cNvPr>
+          <p:cNvSpPr>
+            <a:spLocks noGrp="1"/>
+          </p:cNvSpPr>
+          <p:nvPr>
+            <p:ph type="title"/>
+          </p:nvPr>
+        </p:nvSpPr>
+        <p:spPr/>
+        <p:txBody>
+          <a:bodyPr/>
+          <a:lstStyle/>
+          <a:p>
+            <a:r>
+              <a:rPr lang="de-CH" dirty="0" err="1"/>
+              <a:t>Current</a:t>
+            </a:r>
+            <a:r>
+              <a:rPr lang="de-CH" dirty="0"/>
+              <a:t> </a:t>
+            </a:r>
+            <a:r>
+              <a:rPr lang="de-CH" dirty="0" err="1"/>
+              <a:t>state</a:t>
+            </a:r>
+            <a:endParaRPr lang="de-CH" dirty="0"/>
+          </a:p>
+        </p:txBody>
+      </p:sp>
+      <p:sp>
+        <p:nvSpPr>
+          <p:cNvPr id="3" name="Inhaltsplatzhalter 2">
+            <a:extLst>
+              <a:ext uri="{FF2B5EF4-FFF2-40B4-BE49-F238E27FC236}">
+                <a16:creationId xmlns:a16="http://schemas.microsoft.com/office/drawing/2014/main" id="{F73BFA32-BF2A-4196-8557-B326DB86CE5C}"/>
+              </a:ext>
+            </a:extLst>
+          </p:cNvPr>
+          <p:cNvSpPr>
+            <a:spLocks noGrp="1"/>
+          </p:cNvSpPr>
+          <p:nvPr>
+            <p:ph idx="1"/>
+          </p:nvPr>
+        </p:nvSpPr>
+        <p:spPr/>
+        <p:txBody>
+          <a:bodyPr/>
+          <a:lstStyle/>
+          <a:p>
+            <a:endParaRPr lang="de-CH"/>
+          </a:p>
+        </p:txBody>
+      </p:sp>
+    </p:spTree>
+    <p:extLst>
+      <p:ext uri="{BB962C8B-B14F-4D97-AF65-F5344CB8AC3E}">
+        <p14:creationId xmlns:p14="http://schemas.microsoft.com/office/powerpoint/2010/main" val="2682767766"/>
+      </p:ext>
+    </p:extLst>
+  </p:cSld>
+  <p:clrMapOvr>
+    <a:masterClrMapping/>
+  </p:clrMapOvr>
+</p:sld>
+</file>
+
+<file path=ppt/slides/slide4.xml><?xml version="1.0" encoding="utf-8"?>
+<p:sld xmlns:a="http://schemas.openxmlformats.org/drawingml/2006/main" xmlns:r="http://schemas.openxmlformats.org/officeDocument/2006/relationships" xmlns:p="http://schemas.openxmlformats.org/presentationml/2006/main">
+  <p:cSld>
+    <p:spTree>
+      <p:nvGrpSpPr>
+        <p:cNvPr id="1" name=""/>
+        <p:cNvGrpSpPr/>
+        <p:nvPr/>
+      </p:nvGrpSpPr>
+      <p:grpSpPr>
+        <a:xfrm>
+          <a:off x="0" y="0"/>
+          <a:ext cx="0" cy="0"/>
+          <a:chOff x="0" y="0"/>
+          <a:chExt cx="0" cy="0"/>
+        </a:xfrm>
+      </p:grpSpPr>
+      <p:sp>
+        <p:nvSpPr>
+          <p:cNvPr id="2" name="Titel 1">
+            <a:extLst>
+              <a:ext uri="{FF2B5EF4-FFF2-40B4-BE49-F238E27FC236}">
+                <a16:creationId xmlns:a16="http://schemas.microsoft.com/office/drawing/2014/main" id="{011C5D65-AA3C-4B73-8DE3-176E97360309}"/>
+              </a:ext>
+            </a:extLst>
+          </p:cNvPr>
+          <p:cNvSpPr>
+            <a:spLocks noGrp="1"/>
+          </p:cNvSpPr>
+          <p:nvPr>
+            <p:ph type="title"/>
+          </p:nvPr>
+        </p:nvSpPr>
+        <p:spPr/>
+        <p:txBody>
+          <a:bodyPr/>
+          <a:lstStyle/>
+          <a:p>
+            <a:r>
+              <a:rPr lang="de-CH" dirty="0"/>
+              <a:t>Target </a:t>
+            </a:r>
+            <a:r>
+              <a:rPr lang="de-CH" dirty="0" err="1"/>
+              <a:t>state</a:t>
+            </a:r>
+            <a:r>
+              <a:rPr lang="de-CH" dirty="0"/>
+              <a:t> </a:t>
+            </a:r>
+            <a:r>
+              <a:rPr lang="de-CH" dirty="0" err="1"/>
+              <a:t>objectives</a:t>
+            </a:r>
+            <a:r>
+              <a:rPr lang="de-CH" dirty="0"/>
+              <a:t> - </a:t>
+            </a:r>
+            <a:r>
+              <a:rPr lang="de-CH" dirty="0" err="1"/>
+              <a:t>goals</a:t>
+            </a:r>
+            <a:endParaRPr lang="de-CH" dirty="0"/>
+          </a:p>
+        </p:txBody>
+      </p:sp>
+      <p:sp>
+        <p:nvSpPr>
+          <p:cNvPr id="3" name="Inhaltsplatzhalter 2">
+            <a:extLst>
+              <a:ext uri="{FF2B5EF4-FFF2-40B4-BE49-F238E27FC236}">
+                <a16:creationId xmlns:a16="http://schemas.microsoft.com/office/drawing/2014/main" id="{BB612FBB-1331-4ECD-B831-33BEB896CC82}"/>
+              </a:ext>
+            </a:extLst>
+          </p:cNvPr>
+          <p:cNvSpPr>
+            <a:spLocks noGrp="1"/>
+          </p:cNvSpPr>
+          <p:nvPr>
+            <p:ph idx="1"/>
+          </p:nvPr>
+        </p:nvSpPr>
+        <p:spPr/>
+        <p:txBody>
+          <a:bodyPr/>
+          <a:lstStyle/>
+          <a:p>
+            <a:endParaRPr lang="de-CH" dirty="0"/>
+          </a:p>
+        </p:txBody>
+      </p:sp>
+    </p:spTree>
+    <p:extLst>
+      <p:ext uri="{BB962C8B-B14F-4D97-AF65-F5344CB8AC3E}">
+        <p14:creationId xmlns:p14="http://schemas.microsoft.com/office/powerpoint/2010/main" val="2086382255"/>
       </p:ext>
     </p:extLst>
   </p:cSld>

--- a/Idea_Pitch.pptx
+++ b/Idea_Pitch.pptx
@@ -262,7 +262,7 @@
           <a:p>
             <a:fld id="{807B79D4-6B5A-1F4B-893F-FAFE452DC4BF}" type="datetimeFigureOut">
               <a:rPr lang="de-DE" smtClean="0"/>
-              <a:t>02.10.2019</a:t>
+              <a:t>02.10.19</a:t>
             </a:fld>
             <a:endParaRPr lang="de-DE"/>
           </a:p>
@@ -460,7 +460,7 @@
           <a:p>
             <a:fld id="{807B79D4-6B5A-1F4B-893F-FAFE452DC4BF}" type="datetimeFigureOut">
               <a:rPr lang="de-DE" smtClean="0"/>
-              <a:t>02.10.2019</a:t>
+              <a:t>02.10.19</a:t>
             </a:fld>
             <a:endParaRPr lang="de-DE"/>
           </a:p>
@@ -668,7 +668,7 @@
           <a:p>
             <a:fld id="{807B79D4-6B5A-1F4B-893F-FAFE452DC4BF}" type="datetimeFigureOut">
               <a:rPr lang="de-DE" smtClean="0"/>
-              <a:t>02.10.2019</a:t>
+              <a:t>02.10.19</a:t>
             </a:fld>
             <a:endParaRPr lang="de-DE"/>
           </a:p>
@@ -866,7 +866,7 @@
           <a:p>
             <a:fld id="{807B79D4-6B5A-1F4B-893F-FAFE452DC4BF}" type="datetimeFigureOut">
               <a:rPr lang="de-DE" smtClean="0"/>
-              <a:t>02.10.2019</a:t>
+              <a:t>02.10.19</a:t>
             </a:fld>
             <a:endParaRPr lang="de-DE"/>
           </a:p>
@@ -1141,7 +1141,7 @@
           <a:p>
             <a:fld id="{807B79D4-6B5A-1F4B-893F-FAFE452DC4BF}" type="datetimeFigureOut">
               <a:rPr lang="de-DE" smtClean="0"/>
-              <a:t>02.10.2019</a:t>
+              <a:t>02.10.19</a:t>
             </a:fld>
             <a:endParaRPr lang="de-DE"/>
           </a:p>
@@ -1406,7 +1406,7 @@
           <a:p>
             <a:fld id="{807B79D4-6B5A-1F4B-893F-FAFE452DC4BF}" type="datetimeFigureOut">
               <a:rPr lang="de-DE" smtClean="0"/>
-              <a:t>02.10.2019</a:t>
+              <a:t>02.10.19</a:t>
             </a:fld>
             <a:endParaRPr lang="de-DE"/>
           </a:p>
@@ -1818,7 +1818,7 @@
           <a:p>
             <a:fld id="{807B79D4-6B5A-1F4B-893F-FAFE452DC4BF}" type="datetimeFigureOut">
               <a:rPr lang="de-DE" smtClean="0"/>
-              <a:t>02.10.2019</a:t>
+              <a:t>02.10.19</a:t>
             </a:fld>
             <a:endParaRPr lang="de-DE"/>
           </a:p>
@@ -1959,7 +1959,7 @@
           <a:p>
             <a:fld id="{807B79D4-6B5A-1F4B-893F-FAFE452DC4BF}" type="datetimeFigureOut">
               <a:rPr lang="de-DE" smtClean="0"/>
-              <a:t>02.10.2019</a:t>
+              <a:t>02.10.19</a:t>
             </a:fld>
             <a:endParaRPr lang="de-DE"/>
           </a:p>
@@ -2072,7 +2072,7 @@
           <a:p>
             <a:fld id="{807B79D4-6B5A-1F4B-893F-FAFE452DC4BF}" type="datetimeFigureOut">
               <a:rPr lang="de-DE" smtClean="0"/>
-              <a:t>02.10.2019</a:t>
+              <a:t>02.10.19</a:t>
             </a:fld>
             <a:endParaRPr lang="de-DE"/>
           </a:p>
@@ -2383,7 +2383,7 @@
           <a:p>
             <a:fld id="{807B79D4-6B5A-1F4B-893F-FAFE452DC4BF}" type="datetimeFigureOut">
               <a:rPr lang="de-DE" smtClean="0"/>
-              <a:t>02.10.2019</a:t>
+              <a:t>02.10.19</a:t>
             </a:fld>
             <a:endParaRPr lang="de-DE"/>
           </a:p>
@@ -2671,7 +2671,7 @@
           <a:p>
             <a:fld id="{807B79D4-6B5A-1F4B-893F-FAFE452DC4BF}" type="datetimeFigureOut">
               <a:rPr lang="de-DE" smtClean="0"/>
-              <a:t>02.10.2019</a:t>
+              <a:t>02.10.19</a:t>
             </a:fld>
             <a:endParaRPr lang="de-DE"/>
           </a:p>
@@ -2912,7 +2912,7 @@
           <a:p>
             <a:fld id="{807B79D4-6B5A-1F4B-893F-FAFE452DC4BF}" type="datetimeFigureOut">
               <a:rPr lang="de-DE" smtClean="0"/>
-              <a:t>02.10.2019</a:t>
+              <a:t>02.10.19</a:t>
             </a:fld>
             <a:endParaRPr lang="de-DE"/>
           </a:p>
@@ -3650,55 +3650,374 @@
           <a:lstStyle/>
           <a:p>
             <a:r>
+              <a:rPr lang="de-CH" dirty="0" err="1"/>
+              <a:t>Why</a:t>
+            </a:r>
+            <a:r>
               <a:rPr lang="de-CH" dirty="0"/>
-              <a:t>Target </a:t>
-            </a:r>
-            <a:r>
-              <a:rPr lang="de-CH" dirty="0" err="1"/>
-              <a:t>state</a:t>
-            </a:r>
-            <a:r>
-              <a:rPr lang="de-CH" dirty="0"/>
+              <a:t> agile?</a:t>
+            </a:r>
+          </a:p>
+        </p:txBody>
+      </p:sp>
+      <p:pic>
+        <p:nvPicPr>
+          <p:cNvPr id="5" name="Grafik 4">
+            <a:extLst>
+              <a:ext uri="{FF2B5EF4-FFF2-40B4-BE49-F238E27FC236}">
+                <a16:creationId xmlns:a16="http://schemas.microsoft.com/office/drawing/2014/main" id="{00953221-7AB9-054E-9AE5-815A6121C98E}"/>
+              </a:ext>
+            </a:extLst>
+          </p:cNvPr>
+          <p:cNvPicPr>
+            <a:picLocks noChangeAspect="1"/>
+          </p:cNvPicPr>
+          <p:nvPr/>
+        </p:nvPicPr>
+        <p:blipFill>
+          <a:blip r:embed="rId2"/>
+          <a:stretch>
+            <a:fillRect/>
+          </a:stretch>
+        </p:blipFill>
+        <p:spPr>
+          <a:xfrm>
+            <a:off x="1524793" y="1690688"/>
+            <a:ext cx="9142413" cy="4219575"/>
+          </a:xfrm>
+          <a:prstGeom prst="rect">
+            <a:avLst/>
+          </a:prstGeom>
+        </p:spPr>
+      </p:pic>
+      <p:sp>
+        <p:nvSpPr>
+          <p:cNvPr id="6" name="Rechteck 5">
+            <a:extLst>
+              <a:ext uri="{FF2B5EF4-FFF2-40B4-BE49-F238E27FC236}">
+                <a16:creationId xmlns:a16="http://schemas.microsoft.com/office/drawing/2014/main" id="{8A078134-4579-4B4E-96F7-7BBE49C68127}"/>
+              </a:ext>
+            </a:extLst>
+          </p:cNvPr>
+          <p:cNvSpPr/>
+          <p:nvPr/>
+        </p:nvSpPr>
+        <p:spPr>
+          <a:xfrm>
+            <a:off x="2043119" y="1585913"/>
+            <a:ext cx="8643937" cy="4200525"/>
+          </a:xfrm>
+          <a:prstGeom prst="rect">
+            <a:avLst/>
+          </a:prstGeom>
+          <a:gradFill flip="none" rotWithShape="1">
+            <a:gsLst>
+              <a:gs pos="0">
+                <a:schemeClr val="accent1">
+                  <a:lumMod val="5000"/>
+                  <a:lumOff val="95000"/>
+                  <a:alpha val="0"/>
+                </a:schemeClr>
+              </a:gs>
+              <a:gs pos="50000">
+                <a:srgbClr val="FBFCFE">
+                  <a:alpha val="0"/>
+                </a:srgbClr>
+              </a:gs>
+              <a:gs pos="50000">
+                <a:schemeClr val="accent1">
+                  <a:lumMod val="0"/>
+                  <a:lumOff val="100000"/>
+                </a:schemeClr>
+              </a:gs>
+            </a:gsLst>
+            <a:lin ang="19800000" scaled="0"/>
+            <a:tileRect/>
+          </a:gradFill>
+          <a:ln>
+            <a:noFill/>
+          </a:ln>
+        </p:spPr>
+        <p:style>
+          <a:lnRef idx="2">
+            <a:schemeClr val="accent1">
+              <a:shade val="50000"/>
+            </a:schemeClr>
+          </a:lnRef>
+          <a:fillRef idx="1">
+            <a:schemeClr val="accent1"/>
+          </a:fillRef>
+          <a:effectRef idx="0">
+            <a:schemeClr val="accent1"/>
+          </a:effectRef>
+          <a:fontRef idx="minor">
+            <a:schemeClr val="lt1"/>
+          </a:fontRef>
+        </p:style>
+        <p:txBody>
+          <a:bodyPr rtlCol="0" anchor="ctr"/>
+          <a:lstStyle/>
+          <a:p>
+            <a:pPr algn="ctr"/>
+            <a:endParaRPr lang="de-DE" dirty="0">
+              <a:noFill/>
+            </a:endParaRPr>
+          </a:p>
+        </p:txBody>
+      </p:sp>
+      <p:grpSp>
+        <p:nvGrpSpPr>
+          <p:cNvPr id="9" name="Gruppieren 8">
+            <a:extLst>
+              <a:ext uri="{FF2B5EF4-FFF2-40B4-BE49-F238E27FC236}">
+                <a16:creationId xmlns:a16="http://schemas.microsoft.com/office/drawing/2014/main" id="{70BBE6D3-9727-104E-80A3-9FC9A9C3503C}"/>
+              </a:ext>
+            </a:extLst>
+          </p:cNvPr>
+          <p:cNvGrpSpPr/>
+          <p:nvPr/>
+        </p:nvGrpSpPr>
+        <p:grpSpPr>
+          <a:xfrm>
+            <a:off x="1828800" y="1690688"/>
+            <a:ext cx="4143375" cy="4095750"/>
+            <a:chOff x="1828800" y="1690688"/>
+            <a:chExt cx="4143375" cy="4095750"/>
+          </a:xfrm>
+        </p:grpSpPr>
+        <p:sp>
+          <p:nvSpPr>
+            <p:cNvPr id="7" name="Rechteck 6">
+              <a:extLst>
+                <a:ext uri="{FF2B5EF4-FFF2-40B4-BE49-F238E27FC236}">
+                  <a16:creationId xmlns:a16="http://schemas.microsoft.com/office/drawing/2014/main" id="{C19B9F64-C932-CB4A-AA2B-301AC53CE96F}"/>
+                </a:ext>
+              </a:extLst>
+            </p:cNvPr>
+            <p:cNvSpPr/>
+            <p:nvPr/>
+          </p:nvSpPr>
+          <p:spPr>
+            <a:xfrm>
+              <a:off x="1828800" y="1690688"/>
+              <a:ext cx="3243263" cy="4095750"/>
+            </a:xfrm>
+            <a:prstGeom prst="rect">
+              <a:avLst/>
+            </a:prstGeom>
+            <a:solidFill>
+              <a:schemeClr val="bg1"/>
+            </a:solidFill>
+            <a:ln>
+              <a:noFill/>
+            </a:ln>
+          </p:spPr>
+          <p:style>
+            <a:lnRef idx="2">
+              <a:schemeClr val="accent1">
+                <a:shade val="50000"/>
+              </a:schemeClr>
+            </a:lnRef>
+            <a:fillRef idx="1">
+              <a:schemeClr val="accent1"/>
+            </a:fillRef>
+            <a:effectRef idx="0">
+              <a:schemeClr val="accent1"/>
+            </a:effectRef>
+            <a:fontRef idx="minor">
+              <a:schemeClr val="lt1"/>
+            </a:fontRef>
+          </p:style>
+          <p:txBody>
+            <a:bodyPr rtlCol="0" anchor="ctr"/>
+            <a:lstStyle/>
+            <a:p>
+              <a:pPr algn="ctr"/>
+              <a:endParaRPr lang="de-DE"/>
+            </a:p>
+          </p:txBody>
+        </p:sp>
+        <p:sp>
+          <p:nvSpPr>
+            <p:cNvPr id="8" name="Rechteck 7">
+              <a:extLst>
+                <a:ext uri="{FF2B5EF4-FFF2-40B4-BE49-F238E27FC236}">
+                  <a16:creationId xmlns:a16="http://schemas.microsoft.com/office/drawing/2014/main" id="{E7699538-7328-1145-AD59-37FE88D88BD6}"/>
+                </a:ext>
+              </a:extLst>
+            </p:cNvPr>
+            <p:cNvSpPr/>
+            <p:nvPr/>
+          </p:nvSpPr>
+          <p:spPr>
+            <a:xfrm>
+              <a:off x="4443413" y="4500563"/>
+              <a:ext cx="1528762" cy="1285875"/>
+            </a:xfrm>
+            <a:prstGeom prst="rect">
+              <a:avLst/>
+            </a:prstGeom>
+            <a:solidFill>
+              <a:schemeClr val="bg1"/>
+            </a:solidFill>
+            <a:ln>
+              <a:noFill/>
+            </a:ln>
+          </p:spPr>
+          <p:style>
+            <a:lnRef idx="2">
+              <a:schemeClr val="accent1">
+                <a:shade val="50000"/>
+              </a:schemeClr>
+            </a:lnRef>
+            <a:fillRef idx="1">
+              <a:schemeClr val="accent1"/>
+            </a:fillRef>
+            <a:effectRef idx="0">
+              <a:schemeClr val="accent1"/>
+            </a:effectRef>
+            <a:fontRef idx="minor">
+              <a:schemeClr val="lt1"/>
+            </a:fontRef>
+          </p:style>
+          <p:txBody>
+            <a:bodyPr rtlCol="0" anchor="ctr"/>
+            <a:lstStyle/>
+            <a:p>
+              <a:pPr algn="ctr"/>
+              <a:endParaRPr lang="de-DE"/>
+            </a:p>
+          </p:txBody>
+        </p:sp>
+      </p:grpSp>
+      <p:sp>
+        <p:nvSpPr>
+          <p:cNvPr id="10" name="Textfeld 9">
+            <a:extLst>
+              <a:ext uri="{FF2B5EF4-FFF2-40B4-BE49-F238E27FC236}">
+                <a16:creationId xmlns:a16="http://schemas.microsoft.com/office/drawing/2014/main" id="{921EB81A-E1D9-454F-95A0-217345CC9368}"/>
+              </a:ext>
+            </a:extLst>
+          </p:cNvPr>
+          <p:cNvSpPr txBox="1"/>
+          <p:nvPr/>
+        </p:nvSpPr>
+        <p:spPr>
+          <a:xfrm>
+            <a:off x="500064" y="2169218"/>
+            <a:ext cx="4372774" cy="1852815"/>
+          </a:xfrm>
+          <a:prstGeom prst="rect">
+            <a:avLst/>
+          </a:prstGeom>
+          <a:noFill/>
+        </p:spPr>
+        <p:txBody>
+          <a:bodyPr wrap="square" rtlCol="0">
+            <a:spAutoFit/>
+          </a:bodyPr>
+          <a:lstStyle/>
+          <a:p>
+            <a:pPr marL="285750" indent="-285750">
+              <a:lnSpc>
+                <a:spcPct val="200000"/>
+              </a:lnSpc>
+              <a:buFont typeface="Arial" panose="020B0604020202020204" pitchFamily="34" charset="0"/>
+              <a:buChar char="•"/>
+            </a:pPr>
+            <a:r>
+              <a:rPr lang="de-DE" sz="2000" dirty="0"/>
+              <a:t>Fixed </a:t>
+            </a:r>
+            <a:r>
+              <a:rPr lang="de-DE" sz="2000" dirty="0" err="1"/>
+              <a:t>Timeframe</a:t>
+            </a:r>
+            <a:endParaRPr lang="de-DE" sz="2000" dirty="0"/>
+          </a:p>
+          <a:p>
+            <a:pPr marL="285750" indent="-285750">
+              <a:lnSpc>
+                <a:spcPct val="200000"/>
+              </a:lnSpc>
+              <a:buFont typeface="Arial" panose="020B0604020202020204" pitchFamily="34" charset="0"/>
+              <a:buChar char="•"/>
+            </a:pPr>
+            <a:r>
+              <a:rPr lang="de-DE" sz="2000" dirty="0" err="1"/>
+              <a:t>Complex</a:t>
+            </a:r>
+            <a:r>
+              <a:rPr lang="de-DE" sz="2000" dirty="0"/>
               <a:t> </a:t>
             </a:r>
             <a:r>
-              <a:rPr lang="de-CH" dirty="0" err="1"/>
-              <a:t>objectives</a:t>
-            </a:r>
-            <a:r>
-              <a:rPr lang="de-CH" dirty="0"/>
+              <a:rPr lang="de-DE" sz="2000" dirty="0" err="1"/>
+              <a:t>setting</a:t>
+            </a:r>
+            <a:r>
+              <a:rPr lang="de-DE" sz="2000" dirty="0"/>
               <a:t> - </a:t>
             </a:r>
             <a:r>
-              <a:rPr lang="de-CH" dirty="0" err="1"/>
-              <a:t>goals</a:t>
-            </a:r>
-            <a:endParaRPr lang="de-CH" dirty="0"/>
-          </a:p>
-        </p:txBody>
-      </p:sp>
-      <p:sp>
-        <p:nvSpPr>
-          <p:cNvPr id="3" name="Inhaltsplatzhalter 2">
-            <a:extLst>
-              <a:ext uri="{FF2B5EF4-FFF2-40B4-BE49-F238E27FC236}">
-                <a16:creationId xmlns:a16="http://schemas.microsoft.com/office/drawing/2014/main" id="{BB612FBB-1331-4ECD-B831-33BEB896CC82}"/>
-              </a:ext>
-            </a:extLst>
-          </p:cNvPr>
-          <p:cNvSpPr>
-            <a:spLocks noGrp="1"/>
-          </p:cNvSpPr>
-          <p:nvPr>
-            <p:ph idx="1"/>
-          </p:nvPr>
-        </p:nvSpPr>
-        <p:spPr/>
-        <p:txBody>
-          <a:bodyPr/>
-          <a:lstStyle/>
-          <a:p>
-            <a:endParaRPr lang="de-CH" dirty="0"/>
+              <a:rPr lang="de-DE" sz="2000" dirty="0" err="1"/>
+              <a:t>No</a:t>
+            </a:r>
+            <a:r>
+              <a:rPr lang="de-DE" sz="2000" dirty="0"/>
+              <a:t> </a:t>
+            </a:r>
+            <a:r>
+              <a:rPr lang="de-DE" sz="2000" dirty="0" err="1"/>
+              <a:t>fixed</a:t>
+            </a:r>
+            <a:r>
+              <a:rPr lang="de-DE" sz="2000" dirty="0"/>
+              <a:t> </a:t>
+            </a:r>
+            <a:r>
+              <a:rPr lang="de-DE" sz="2000" dirty="0" err="1"/>
+              <a:t>feature</a:t>
+            </a:r>
+            <a:r>
+              <a:rPr lang="de-DE" sz="2000" dirty="0"/>
+              <a:t> </a:t>
+            </a:r>
+            <a:r>
+              <a:rPr lang="de-DE" sz="2000" dirty="0" err="1"/>
+              <a:t>set</a:t>
+            </a:r>
+            <a:endParaRPr lang="de-DE" sz="2000" dirty="0"/>
+          </a:p>
+          <a:p>
+            <a:pPr marL="285750" indent="-285750">
+              <a:lnSpc>
+                <a:spcPct val="200000"/>
+              </a:lnSpc>
+              <a:buFont typeface="Arial" panose="020B0604020202020204" pitchFamily="34" charset="0"/>
+              <a:buChar char="•"/>
+            </a:pPr>
+            <a:r>
+              <a:rPr lang="de-DE" sz="2000" dirty="0" err="1"/>
+              <a:t>No</a:t>
+            </a:r>
+            <a:r>
+              <a:rPr lang="de-DE" sz="2000" dirty="0"/>
+              <a:t> </a:t>
+            </a:r>
+            <a:r>
+              <a:rPr lang="de-DE" sz="2000" dirty="0" err="1"/>
+              <a:t>fixed</a:t>
+            </a:r>
+            <a:r>
+              <a:rPr lang="de-DE" sz="2000" dirty="0"/>
+              <a:t> </a:t>
+            </a:r>
+            <a:r>
+              <a:rPr lang="de-DE" sz="2000" dirty="0" err="1"/>
+              <a:t>technology</a:t>
+            </a:r>
+            <a:endParaRPr lang="de-DE" sz="2000" dirty="0"/>
           </a:p>
         </p:txBody>
       </p:sp>
@@ -3712,6 +4031,249 @@
   <p:clrMapOvr>
     <a:masterClrMapping/>
   </p:clrMapOvr>
+  <p:timing>
+    <p:tnLst>
+      <p:par>
+        <p:cTn id="1" dur="indefinite" restart="never" nodeType="tmRoot">
+          <p:childTnLst>
+            <p:seq concurrent="1" nextAc="seek">
+              <p:cTn id="2" dur="indefinite" nodeType="mainSeq">
+                <p:childTnLst>
+                  <p:par>
+                    <p:cTn id="3" fill="hold">
+                      <p:stCondLst>
+                        <p:cond delay="indefinite"/>
+                      </p:stCondLst>
+                      <p:childTnLst>
+                        <p:par>
+                          <p:cTn id="4" fill="hold">
+                            <p:stCondLst>
+                              <p:cond delay="0"/>
+                            </p:stCondLst>
+                            <p:childTnLst>
+                              <p:par>
+                                <p:cTn id="5" presetID="10" presetClass="entr" presetSubtype="0" fill="hold" nodeType="clickEffect">
+                                  <p:stCondLst>
+                                    <p:cond delay="0"/>
+                                  </p:stCondLst>
+                                  <p:childTnLst>
+                                    <p:set>
+                                      <p:cBhvr>
+                                        <p:cTn id="6" dur="1" fill="hold">
+                                          <p:stCondLst>
+                                            <p:cond delay="0"/>
+                                          </p:stCondLst>
+                                        </p:cTn>
+                                        <p:tgtEl>
+                                          <p:spTgt spid="5"/>
+                                        </p:tgtEl>
+                                        <p:attrNameLst>
+                                          <p:attrName>style.visibility</p:attrName>
+                                        </p:attrNameLst>
+                                      </p:cBhvr>
+                                      <p:to>
+                                        <p:strVal val="visible"/>
+                                      </p:to>
+                                    </p:set>
+                                    <p:animEffect transition="in" filter="fade">
+                                      <p:cBhvr>
+                                        <p:cTn id="7" dur="500"/>
+                                        <p:tgtEl>
+                                          <p:spTgt spid="5"/>
+                                        </p:tgtEl>
+                                      </p:cBhvr>
+                                    </p:animEffect>
+                                  </p:childTnLst>
+                                </p:cTn>
+                              </p:par>
+                              <p:par>
+                                <p:cTn id="8" presetID="1" presetClass="entr" presetSubtype="0" fill="hold" grpId="0" nodeType="withEffect">
+                                  <p:stCondLst>
+                                    <p:cond delay="0"/>
+                                  </p:stCondLst>
+                                  <p:childTnLst>
+                                    <p:set>
+                                      <p:cBhvr>
+                                        <p:cTn id="9" dur="1" fill="hold">
+                                          <p:stCondLst>
+                                            <p:cond delay="0"/>
+                                          </p:stCondLst>
+                                        </p:cTn>
+                                        <p:tgtEl>
+                                          <p:spTgt spid="6"/>
+                                        </p:tgtEl>
+                                        <p:attrNameLst>
+                                          <p:attrName>style.visibility</p:attrName>
+                                        </p:attrNameLst>
+                                      </p:cBhvr>
+                                      <p:to>
+                                        <p:strVal val="visible"/>
+                                      </p:to>
+                                    </p:set>
+                                  </p:childTnLst>
+                                </p:cTn>
+                              </p:par>
+                            </p:childTnLst>
+                          </p:cTn>
+                        </p:par>
+                      </p:childTnLst>
+                    </p:cTn>
+                  </p:par>
+                  <p:par>
+                    <p:cTn id="10" fill="hold">
+                      <p:stCondLst>
+                        <p:cond delay="indefinite"/>
+                      </p:stCondLst>
+                      <p:childTnLst>
+                        <p:par>
+                          <p:cTn id="11" fill="hold">
+                            <p:stCondLst>
+                              <p:cond delay="0"/>
+                            </p:stCondLst>
+                            <p:childTnLst>
+                              <p:par>
+                                <p:cTn id="12" presetID="42" presetClass="path" presetSubtype="0" accel="50000" decel="50000" fill="hold" grpId="1" nodeType="clickEffect">
+                                  <p:stCondLst>
+                                    <p:cond delay="0"/>
+                                  </p:stCondLst>
+                                  <p:childTnLst>
+                                    <p:animMotion origin="layout" path="M 4.79167E-6 0 L 0.46354 0.00208 " pathEditMode="relative" rAng="0" ptsTypes="AA">
+                                      <p:cBhvr>
+                                        <p:cTn id="13" dur="2000" fill="hold"/>
+                                        <p:tgtEl>
+                                          <p:spTgt spid="6"/>
+                                        </p:tgtEl>
+                                        <p:attrNameLst>
+                                          <p:attrName>ppt_x</p:attrName>
+                                          <p:attrName>ppt_y</p:attrName>
+                                        </p:attrNameLst>
+                                      </p:cBhvr>
+                                      <p:rCtr x="23177" y="93"/>
+                                    </p:animMotion>
+                                  </p:childTnLst>
+                                </p:cTn>
+                              </p:par>
+                            </p:childTnLst>
+                          </p:cTn>
+                        </p:par>
+                      </p:childTnLst>
+                    </p:cTn>
+                  </p:par>
+                  <p:par>
+                    <p:cTn id="14" fill="hold">
+                      <p:stCondLst>
+                        <p:cond delay="indefinite"/>
+                      </p:stCondLst>
+                      <p:childTnLst>
+                        <p:par>
+                          <p:cTn id="15" fill="hold">
+                            <p:stCondLst>
+                              <p:cond delay="0"/>
+                            </p:stCondLst>
+                            <p:childTnLst>
+                              <p:par>
+                                <p:cTn id="16" presetID="10" presetClass="entr" presetSubtype="0" fill="hold" nodeType="clickEffect">
+                                  <p:stCondLst>
+                                    <p:cond delay="0"/>
+                                  </p:stCondLst>
+                                  <p:childTnLst>
+                                    <p:set>
+                                      <p:cBhvr>
+                                        <p:cTn id="17" dur="1" fill="hold">
+                                          <p:stCondLst>
+                                            <p:cond delay="0"/>
+                                          </p:stCondLst>
+                                        </p:cTn>
+                                        <p:tgtEl>
+                                          <p:spTgt spid="9"/>
+                                        </p:tgtEl>
+                                        <p:attrNameLst>
+                                          <p:attrName>style.visibility</p:attrName>
+                                        </p:attrNameLst>
+                                      </p:cBhvr>
+                                      <p:to>
+                                        <p:strVal val="visible"/>
+                                      </p:to>
+                                    </p:set>
+                                    <p:animEffect transition="in" filter="fade">
+                                      <p:cBhvr>
+                                        <p:cTn id="18" dur="500"/>
+                                        <p:tgtEl>
+                                          <p:spTgt spid="9"/>
+                                        </p:tgtEl>
+                                      </p:cBhvr>
+                                    </p:animEffect>
+                                  </p:childTnLst>
+                                </p:cTn>
+                              </p:par>
+                              <p:par>
+                                <p:cTn id="19" presetID="10" presetClass="entr" presetSubtype="0" fill="hold" grpId="0" nodeType="withEffect">
+                                  <p:stCondLst>
+                                    <p:cond delay="500"/>
+                                  </p:stCondLst>
+                                  <p:childTnLst>
+                                    <p:set>
+                                      <p:cBhvr>
+                                        <p:cTn id="20" dur="1" fill="hold">
+                                          <p:stCondLst>
+                                            <p:cond delay="0"/>
+                                          </p:stCondLst>
+                                        </p:cTn>
+                                        <p:tgtEl>
+                                          <p:spTgt spid="10"/>
+                                        </p:tgtEl>
+                                        <p:attrNameLst>
+                                          <p:attrName>style.visibility</p:attrName>
+                                        </p:attrNameLst>
+                                      </p:cBhvr>
+                                      <p:to>
+                                        <p:strVal val="visible"/>
+                                      </p:to>
+                                    </p:set>
+                                    <p:animEffect transition="in" filter="fade">
+                                      <p:cBhvr>
+                                        <p:cTn id="21" dur="500"/>
+                                        <p:tgtEl>
+                                          <p:spTgt spid="10"/>
+                                        </p:tgtEl>
+                                      </p:cBhvr>
+                                    </p:animEffect>
+                                  </p:childTnLst>
+                                </p:cTn>
+                              </p:par>
+                            </p:childTnLst>
+                          </p:cTn>
+                        </p:par>
+                      </p:childTnLst>
+                    </p:cTn>
+                  </p:par>
+                </p:childTnLst>
+              </p:cTn>
+              <p:prevCondLst>
+                <p:cond evt="onPrev" delay="0">
+                  <p:tgtEl>
+                    <p:sldTgt/>
+                  </p:tgtEl>
+                </p:cond>
+              </p:prevCondLst>
+              <p:nextCondLst>
+                <p:cond evt="onNext" delay="0">
+                  <p:tgtEl>
+                    <p:sldTgt/>
+                  </p:tgtEl>
+                </p:cond>
+              </p:nextCondLst>
+            </p:seq>
+          </p:childTnLst>
+        </p:cTn>
+      </p:par>
+    </p:tnLst>
+    <p:bldLst>
+      <p:bldP spid="6" grpId="0" animBg="1"/>
+      <p:bldP spid="6" grpId="1" animBg="1"/>
+      <p:bldP spid="10" grpId="0"/>
+    </p:bldLst>
+  </p:timing>
 </p:sld>
 </file>
 

--- a/Idea_Pitch.pptx
+++ b/Idea_Pitch.pptx
@@ -262,7 +262,7 @@
           <a:p>
             <a:fld id="{807B79D4-6B5A-1F4B-893F-FAFE452DC4BF}" type="datetimeFigureOut">
               <a:rPr lang="de-DE" smtClean="0"/>
-              <a:t>02.10.19</a:t>
+              <a:t>03.10.19</a:t>
             </a:fld>
             <a:endParaRPr lang="de-DE"/>
           </a:p>
@@ -460,7 +460,7 @@
           <a:p>
             <a:fld id="{807B79D4-6B5A-1F4B-893F-FAFE452DC4BF}" type="datetimeFigureOut">
               <a:rPr lang="de-DE" smtClean="0"/>
-              <a:t>02.10.19</a:t>
+              <a:t>03.10.19</a:t>
             </a:fld>
             <a:endParaRPr lang="de-DE"/>
           </a:p>
@@ -668,7 +668,7 @@
           <a:p>
             <a:fld id="{807B79D4-6B5A-1F4B-893F-FAFE452DC4BF}" type="datetimeFigureOut">
               <a:rPr lang="de-DE" smtClean="0"/>
-              <a:t>02.10.19</a:t>
+              <a:t>03.10.19</a:t>
             </a:fld>
             <a:endParaRPr lang="de-DE"/>
           </a:p>
@@ -866,7 +866,7 @@
           <a:p>
             <a:fld id="{807B79D4-6B5A-1F4B-893F-FAFE452DC4BF}" type="datetimeFigureOut">
               <a:rPr lang="de-DE" smtClean="0"/>
-              <a:t>02.10.19</a:t>
+              <a:t>03.10.19</a:t>
             </a:fld>
             <a:endParaRPr lang="de-DE"/>
           </a:p>
@@ -1141,7 +1141,7 @@
           <a:p>
             <a:fld id="{807B79D4-6B5A-1F4B-893F-FAFE452DC4BF}" type="datetimeFigureOut">
               <a:rPr lang="de-DE" smtClean="0"/>
-              <a:t>02.10.19</a:t>
+              <a:t>03.10.19</a:t>
             </a:fld>
             <a:endParaRPr lang="de-DE"/>
           </a:p>
@@ -1406,7 +1406,7 @@
           <a:p>
             <a:fld id="{807B79D4-6B5A-1F4B-893F-FAFE452DC4BF}" type="datetimeFigureOut">
               <a:rPr lang="de-DE" smtClean="0"/>
-              <a:t>02.10.19</a:t>
+              <a:t>03.10.19</a:t>
             </a:fld>
             <a:endParaRPr lang="de-DE"/>
           </a:p>
@@ -1818,7 +1818,7 @@
           <a:p>
             <a:fld id="{807B79D4-6B5A-1F4B-893F-FAFE452DC4BF}" type="datetimeFigureOut">
               <a:rPr lang="de-DE" smtClean="0"/>
-              <a:t>02.10.19</a:t>
+              <a:t>03.10.19</a:t>
             </a:fld>
             <a:endParaRPr lang="de-DE"/>
           </a:p>
@@ -1959,7 +1959,7 @@
           <a:p>
             <a:fld id="{807B79D4-6B5A-1F4B-893F-FAFE452DC4BF}" type="datetimeFigureOut">
               <a:rPr lang="de-DE" smtClean="0"/>
-              <a:t>02.10.19</a:t>
+              <a:t>03.10.19</a:t>
             </a:fld>
             <a:endParaRPr lang="de-DE"/>
           </a:p>
@@ -2072,7 +2072,7 @@
           <a:p>
             <a:fld id="{807B79D4-6B5A-1F4B-893F-FAFE452DC4BF}" type="datetimeFigureOut">
               <a:rPr lang="de-DE" smtClean="0"/>
-              <a:t>02.10.19</a:t>
+              <a:t>03.10.19</a:t>
             </a:fld>
             <a:endParaRPr lang="de-DE"/>
           </a:p>
@@ -2383,7 +2383,7 @@
           <a:p>
             <a:fld id="{807B79D4-6B5A-1F4B-893F-FAFE452DC4BF}" type="datetimeFigureOut">
               <a:rPr lang="de-DE" smtClean="0"/>
-              <a:t>02.10.19</a:t>
+              <a:t>03.10.19</a:t>
             </a:fld>
             <a:endParaRPr lang="de-DE"/>
           </a:p>
@@ -2671,7 +2671,7 @@
           <a:p>
             <a:fld id="{807B79D4-6B5A-1F4B-893F-FAFE452DC4BF}" type="datetimeFigureOut">
               <a:rPr lang="de-DE" smtClean="0"/>
-              <a:t>02.10.19</a:t>
+              <a:t>03.10.19</a:t>
             </a:fld>
             <a:endParaRPr lang="de-DE"/>
           </a:p>
@@ -2912,7 +2912,7 @@
           <a:p>
             <a:fld id="{807B79D4-6B5A-1F4B-893F-FAFE452DC4BF}" type="datetimeFigureOut">
               <a:rPr lang="de-DE" smtClean="0"/>
-              <a:t>02.10.19</a:t>
+              <a:t>03.10.19</a:t>
             </a:fld>
             <a:endParaRPr lang="de-DE"/>
           </a:p>
@@ -3904,8 +3904,8 @@
         </p:nvSpPr>
         <p:spPr>
           <a:xfrm>
-            <a:off x="500064" y="2169218"/>
-            <a:ext cx="4372774" cy="1852815"/>
+            <a:off x="728670" y="1559615"/>
+            <a:ext cx="4372774" cy="3083921"/>
           </a:xfrm>
           <a:prstGeom prst="rect">
             <a:avLst/>
@@ -3931,7 +3931,7 @@
             </a:r>
             <a:r>
               <a:rPr lang="de-DE" sz="2000" dirty="0" err="1"/>
-              <a:t>Timeframe</a:t>
+              <a:t>Timeframes</a:t>
             </a:r>
             <a:endParaRPr lang="de-DE" sz="2000" dirty="0"/>
           </a:p>
@@ -3945,7 +3945,7 @@
             </a:pPr>
             <a:r>
               <a:rPr lang="de-DE" sz="2000" dirty="0" err="1"/>
-              <a:t>Complex</a:t>
+              <a:t>No</a:t>
             </a:r>
             <a:r>
               <a:rPr lang="de-DE" sz="2000" dirty="0"/>
@@ -3953,15 +3953,7 @@
             </a:r>
             <a:r>
               <a:rPr lang="de-DE" sz="2000" dirty="0" err="1"/>
-              <a:t>setting</a:t>
-            </a:r>
-            <a:r>
-              <a:rPr lang="de-DE" sz="2000" dirty="0"/>
-              <a:t> - </a:t>
-            </a:r>
-            <a:r>
-              <a:rPr lang="de-DE" sz="2000" dirty="0" err="1"/>
-              <a:t>No</a:t>
+              <a:t>clear</a:t>
             </a:r>
             <a:r>
               <a:rPr lang="de-DE" sz="2000" dirty="0"/>
@@ -3969,7 +3961,7 @@
             </a:r>
             <a:r>
               <a:rPr lang="de-DE" sz="2000" dirty="0" err="1"/>
-              <a:t>fixed</a:t>
+              <a:t>requirements</a:t>
             </a:r>
             <a:r>
               <a:rPr lang="de-DE" sz="2000" dirty="0"/>
@@ -3977,15 +3969,7 @@
             </a:r>
             <a:r>
               <a:rPr lang="de-DE" sz="2000" dirty="0" err="1"/>
-              <a:t>feature</a:t>
-            </a:r>
-            <a:r>
-              <a:rPr lang="de-DE" sz="2000" dirty="0"/>
-              <a:t> </a:t>
-            </a:r>
-            <a:r>
-              <a:rPr lang="de-DE" sz="2000" dirty="0" err="1"/>
-              <a:t>set</a:t>
+              <a:t>given</a:t>
             </a:r>
             <a:endParaRPr lang="de-DE" sz="2000" dirty="0"/>
           </a:p>
@@ -4007,7 +3991,7 @@
             </a:r>
             <a:r>
               <a:rPr lang="de-DE" sz="2000" dirty="0" err="1"/>
-              <a:t>fixed</a:t>
+              <a:t>clear</a:t>
             </a:r>
             <a:r>
               <a:rPr lang="de-DE" sz="2000" dirty="0"/>
@@ -4017,7 +4001,430 @@
               <a:rPr lang="de-DE" sz="2000" dirty="0" err="1"/>
               <a:t>technology</a:t>
             </a:r>
+            <a:r>
+              <a:rPr lang="de-DE" sz="2000" dirty="0"/>
+              <a:t> </a:t>
+            </a:r>
+            <a:r>
+              <a:rPr lang="de-DE" sz="2000" dirty="0" err="1"/>
+              <a:t>given</a:t>
+            </a:r>
             <a:endParaRPr lang="de-DE" sz="2000" dirty="0"/>
+          </a:p>
+          <a:p>
+            <a:pPr marL="285750" indent="-285750">
+              <a:lnSpc>
+                <a:spcPct val="200000"/>
+              </a:lnSpc>
+              <a:buFont typeface="Arial" panose="020B0604020202020204" pitchFamily="34" charset="0"/>
+              <a:buChar char="•"/>
+            </a:pPr>
+            <a:r>
+              <a:rPr lang="de-DE" sz="2000" dirty="0"/>
+              <a:t>People </a:t>
+            </a:r>
+            <a:r>
+              <a:rPr lang="de-DE" sz="2000" dirty="0" err="1"/>
+              <a:t>with</a:t>
+            </a:r>
+            <a:r>
+              <a:rPr lang="de-DE" sz="2000" dirty="0"/>
+              <a:t> </a:t>
+            </a:r>
+            <a:r>
+              <a:rPr lang="de-DE" sz="2000" dirty="0" err="1"/>
+              <a:t>very</a:t>
+            </a:r>
+            <a:r>
+              <a:rPr lang="de-DE" sz="2000" dirty="0"/>
+              <a:t> different </a:t>
+            </a:r>
+            <a:r>
+              <a:rPr lang="de-DE" sz="2000" dirty="0" err="1"/>
+              <a:t>knowledge</a:t>
+            </a:r>
+            <a:r>
+              <a:rPr lang="de-DE" sz="2000" dirty="0"/>
+              <a:t> </a:t>
+            </a:r>
+            <a:r>
+              <a:rPr lang="de-DE" sz="2000" dirty="0" err="1"/>
+              <a:t>and</a:t>
+            </a:r>
+            <a:r>
+              <a:rPr lang="de-DE" sz="2000" dirty="0"/>
+              <a:t> </a:t>
+            </a:r>
+            <a:r>
+              <a:rPr lang="de-DE" sz="2000" dirty="0" err="1"/>
+              <a:t>skills</a:t>
+            </a:r>
+            <a:endParaRPr lang="de-DE" sz="2000" dirty="0"/>
+          </a:p>
+        </p:txBody>
+      </p:sp>
+      <p:pic>
+        <p:nvPicPr>
+          <p:cNvPr id="4" name="Grafik 3">
+            <a:extLst>
+              <a:ext uri="{FF2B5EF4-FFF2-40B4-BE49-F238E27FC236}">
+                <a16:creationId xmlns:a16="http://schemas.microsoft.com/office/drawing/2014/main" id="{81B5D89D-088D-5848-867F-A01A83011DF9}"/>
+              </a:ext>
+            </a:extLst>
+          </p:cNvPr>
+          <p:cNvPicPr>
+            <a:picLocks noChangeAspect="1"/>
+          </p:cNvPicPr>
+          <p:nvPr/>
+        </p:nvPicPr>
+        <p:blipFill>
+          <a:blip r:embed="rId3"/>
+          <a:stretch>
+            <a:fillRect/>
+          </a:stretch>
+        </p:blipFill>
+        <p:spPr>
+          <a:xfrm>
+            <a:off x="5758656" y="1197428"/>
+            <a:ext cx="4604544" cy="5013837"/>
+          </a:xfrm>
+          <a:prstGeom prst="rect">
+            <a:avLst/>
+          </a:prstGeom>
+        </p:spPr>
+      </p:pic>
+      <p:sp>
+        <p:nvSpPr>
+          <p:cNvPr id="11" name="Oval 10">
+            <a:extLst>
+              <a:ext uri="{FF2B5EF4-FFF2-40B4-BE49-F238E27FC236}">
+                <a16:creationId xmlns:a16="http://schemas.microsoft.com/office/drawing/2014/main" id="{B010AE3F-008C-834A-BB70-972889DC7F2F}"/>
+              </a:ext>
+            </a:extLst>
+          </p:cNvPr>
+          <p:cNvSpPr/>
+          <p:nvPr/>
+        </p:nvSpPr>
+        <p:spPr>
+          <a:xfrm>
+            <a:off x="8215313" y="3031381"/>
+            <a:ext cx="271462" cy="271462"/>
+          </a:xfrm>
+          <a:prstGeom prst="ellipse">
+            <a:avLst/>
+          </a:prstGeom>
+        </p:spPr>
+        <p:style>
+          <a:lnRef idx="3">
+            <a:schemeClr val="lt1"/>
+          </a:lnRef>
+          <a:fillRef idx="1">
+            <a:schemeClr val="dk1"/>
+          </a:fillRef>
+          <a:effectRef idx="1">
+            <a:schemeClr val="dk1"/>
+          </a:effectRef>
+          <a:fontRef idx="minor">
+            <a:schemeClr val="lt1"/>
+          </a:fontRef>
+        </p:style>
+        <p:txBody>
+          <a:bodyPr rtlCol="0" anchor="ctr"/>
+          <a:lstStyle/>
+          <a:p>
+            <a:pPr algn="ctr"/>
+            <a:endParaRPr lang="de-DE"/>
+          </a:p>
+        </p:txBody>
+      </p:sp>
+      <p:sp>
+        <p:nvSpPr>
+          <p:cNvPr id="12" name="Textfeld 11">
+            <a:extLst>
+              <a:ext uri="{FF2B5EF4-FFF2-40B4-BE49-F238E27FC236}">
+                <a16:creationId xmlns:a16="http://schemas.microsoft.com/office/drawing/2014/main" id="{1DF247F7-85F3-5245-A36E-967EE20DC377}"/>
+              </a:ext>
+            </a:extLst>
+          </p:cNvPr>
+          <p:cNvSpPr txBox="1"/>
+          <p:nvPr/>
+        </p:nvSpPr>
+        <p:spPr>
+          <a:xfrm>
+            <a:off x="5072070" y="6129328"/>
+            <a:ext cx="7958137" cy="738664"/>
+          </a:xfrm>
+          <a:prstGeom prst="rect">
+            <a:avLst/>
+          </a:prstGeom>
+          <a:noFill/>
+        </p:spPr>
+        <p:txBody>
+          <a:bodyPr wrap="square" rtlCol="0">
+            <a:spAutoFit/>
+          </a:bodyPr>
+          <a:lstStyle/>
+          <a:p>
+            <a:r>
+              <a:rPr lang="de-DE" sz="1400" dirty="0">
+                <a:solidFill>
+                  <a:schemeClr val="bg2">
+                    <a:lumMod val="50000"/>
+                  </a:schemeClr>
+                </a:solidFill>
+              </a:rPr>
+              <a:t>Source: </a:t>
+            </a:r>
+            <a:r>
+              <a:rPr lang="de-DE" sz="1400" dirty="0" err="1">
+                <a:solidFill>
+                  <a:schemeClr val="bg2">
+                    <a:lumMod val="50000"/>
+                  </a:schemeClr>
+                </a:solidFill>
+              </a:rPr>
+              <a:t>Robbin</a:t>
+            </a:r>
+            <a:r>
+              <a:rPr lang="de-DE" sz="1400" dirty="0">
+                <a:solidFill>
+                  <a:schemeClr val="bg2">
+                    <a:lumMod val="50000"/>
+                  </a:schemeClr>
+                </a:solidFill>
+              </a:rPr>
+              <a:t> </a:t>
+            </a:r>
+            <a:r>
+              <a:rPr lang="de-DE" sz="1400" dirty="0" err="1">
+                <a:solidFill>
+                  <a:schemeClr val="bg2">
+                    <a:lumMod val="50000"/>
+                  </a:schemeClr>
+                </a:solidFill>
+              </a:rPr>
+              <a:t>Schuurmann</a:t>
+            </a:r>
+            <a:endParaRPr lang="de-DE" sz="1400" dirty="0">
+              <a:solidFill>
+                <a:schemeClr val="bg2">
+                  <a:lumMod val="50000"/>
+                </a:schemeClr>
+              </a:solidFill>
+            </a:endParaRPr>
+          </a:p>
+          <a:p>
+            <a:r>
+              <a:rPr lang="de-DE" sz="1400" dirty="0">
+                <a:solidFill>
+                  <a:schemeClr val="bg2">
+                    <a:lumMod val="50000"/>
+                  </a:schemeClr>
+                </a:solidFill>
+              </a:rPr>
+              <a:t>https://i2.wp.com/</a:t>
+            </a:r>
+            <a:r>
+              <a:rPr lang="de-DE" sz="1400" dirty="0" err="1">
+                <a:solidFill>
+                  <a:schemeClr val="bg2">
+                    <a:lumMod val="50000"/>
+                  </a:schemeClr>
+                </a:solidFill>
+              </a:rPr>
+              <a:t>burozeven.nl</a:t>
+            </a:r>
+            <a:r>
+              <a:rPr lang="de-DE" sz="1400" dirty="0">
+                <a:solidFill>
+                  <a:schemeClr val="bg2">
+                    <a:lumMod val="50000"/>
+                  </a:schemeClr>
+                </a:solidFill>
+              </a:rPr>
+              <a:t>/</a:t>
+            </a:r>
+            <a:r>
+              <a:rPr lang="de-DE" sz="1400" dirty="0" err="1">
+                <a:solidFill>
+                  <a:schemeClr val="bg2">
+                    <a:lumMod val="50000"/>
+                  </a:schemeClr>
+                </a:solidFill>
+              </a:rPr>
+              <a:t>robbinschuurman</a:t>
+            </a:r>
+            <a:r>
+              <a:rPr lang="de-DE" sz="1400" dirty="0">
+                <a:solidFill>
+                  <a:schemeClr val="bg2">
+                    <a:lumMod val="50000"/>
+                  </a:schemeClr>
+                </a:solidFill>
+              </a:rPr>
+              <a:t>/</a:t>
+            </a:r>
+            <a:r>
+              <a:rPr lang="de-DE" sz="1400" dirty="0" err="1">
+                <a:solidFill>
+                  <a:schemeClr val="bg2">
+                    <a:lumMod val="50000"/>
+                  </a:schemeClr>
+                </a:solidFill>
+              </a:rPr>
+              <a:t>wp</a:t>
+            </a:r>
+            <a:r>
+              <a:rPr lang="de-DE" sz="1400" dirty="0">
+                <a:solidFill>
+                  <a:schemeClr val="bg2">
+                    <a:lumMod val="50000"/>
+                  </a:schemeClr>
+                </a:solidFill>
+              </a:rPr>
+              <a:t>-content/</a:t>
+            </a:r>
+            <a:r>
+              <a:rPr lang="de-DE" sz="1400" dirty="0" err="1">
+                <a:solidFill>
+                  <a:schemeClr val="bg2">
+                    <a:lumMod val="50000"/>
+                  </a:schemeClr>
+                </a:solidFill>
+              </a:rPr>
+              <a:t>uploads</a:t>
+            </a:r>
+            <a:r>
+              <a:rPr lang="de-DE" sz="1400" dirty="0">
+                <a:solidFill>
+                  <a:schemeClr val="bg2">
+                    <a:lumMod val="50000"/>
+                  </a:schemeClr>
+                </a:solidFill>
+              </a:rPr>
+              <a:t>/2017/05/</a:t>
+            </a:r>
+            <a:r>
+              <a:rPr lang="de-DE" sz="1400" dirty="0" err="1">
+                <a:solidFill>
+                  <a:schemeClr val="bg2">
+                    <a:lumMod val="50000"/>
+                  </a:schemeClr>
+                </a:solidFill>
+              </a:rPr>
+              <a:t>Stacey-Matrix.png?w</a:t>
+            </a:r>
+            <a:r>
+              <a:rPr lang="de-DE" sz="1400" dirty="0">
+                <a:solidFill>
+                  <a:schemeClr val="bg2">
+                    <a:lumMod val="50000"/>
+                  </a:schemeClr>
+                </a:solidFill>
+              </a:rPr>
+              <a:t>=513</a:t>
+            </a:r>
+          </a:p>
+        </p:txBody>
+      </p:sp>
+      <p:sp>
+        <p:nvSpPr>
+          <p:cNvPr id="13" name="Textfeld 12">
+            <a:extLst>
+              <a:ext uri="{FF2B5EF4-FFF2-40B4-BE49-F238E27FC236}">
+                <a16:creationId xmlns:a16="http://schemas.microsoft.com/office/drawing/2014/main" id="{C50F3DB1-DEFE-1E41-B3F7-C250B0B0609D}"/>
+              </a:ext>
+            </a:extLst>
+          </p:cNvPr>
+          <p:cNvSpPr txBox="1"/>
+          <p:nvPr/>
+        </p:nvSpPr>
+        <p:spPr>
+          <a:xfrm>
+            <a:off x="848948" y="6321050"/>
+            <a:ext cx="6797310" cy="307777"/>
+          </a:xfrm>
+          <a:prstGeom prst="rect">
+            <a:avLst/>
+          </a:prstGeom>
+          <a:noFill/>
+        </p:spPr>
+        <p:txBody>
+          <a:bodyPr wrap="none" rtlCol="0">
+            <a:spAutoFit/>
+          </a:bodyPr>
+          <a:lstStyle/>
+          <a:p>
+            <a:r>
+              <a:rPr lang="de-DE" sz="1400" dirty="0">
+                <a:solidFill>
+                  <a:schemeClr val="bg2">
+                    <a:lumMod val="50000"/>
+                  </a:schemeClr>
+                </a:solidFill>
+              </a:rPr>
+              <a:t>Source: https://</a:t>
+            </a:r>
+            <a:r>
+              <a:rPr lang="de-DE" sz="1400" dirty="0" err="1">
+                <a:solidFill>
+                  <a:schemeClr val="bg2">
+                    <a:lumMod val="50000"/>
+                  </a:schemeClr>
+                </a:solidFill>
+              </a:rPr>
+              <a:t>www.quanta.co.uk</a:t>
+            </a:r>
+            <a:r>
+              <a:rPr lang="de-DE" sz="1400" dirty="0">
+                <a:solidFill>
+                  <a:schemeClr val="bg2">
+                    <a:lumMod val="50000"/>
+                  </a:schemeClr>
+                </a:solidFill>
+              </a:rPr>
+              <a:t>/</a:t>
+            </a:r>
+            <a:r>
+              <a:rPr lang="de-DE" sz="1400" dirty="0" err="1">
+                <a:solidFill>
+                  <a:schemeClr val="bg2">
+                    <a:lumMod val="50000"/>
+                  </a:schemeClr>
+                </a:solidFill>
+              </a:rPr>
+              <a:t>blog</a:t>
+            </a:r>
+            <a:r>
+              <a:rPr lang="de-DE" sz="1400" dirty="0">
+                <a:solidFill>
+                  <a:schemeClr val="bg2">
+                    <a:lumMod val="50000"/>
+                  </a:schemeClr>
+                </a:solidFill>
+              </a:rPr>
+              <a:t>/2015/09/traditional-project-management-</a:t>
+            </a:r>
+            <a:r>
+              <a:rPr lang="de-DE" sz="1400" dirty="0" err="1">
+                <a:solidFill>
+                  <a:schemeClr val="bg2">
+                    <a:lumMod val="50000"/>
+                  </a:schemeClr>
+                </a:solidFill>
+              </a:rPr>
+              <a:t>vs</a:t>
+            </a:r>
+            <a:r>
+              <a:rPr lang="de-DE" sz="1400" dirty="0">
+                <a:solidFill>
+                  <a:schemeClr val="bg2">
+                    <a:lumMod val="50000"/>
+                  </a:schemeClr>
+                </a:solidFill>
+              </a:rPr>
+              <a:t>-agile</a:t>
+            </a:r>
           </a:p>
         </p:txBody>
       </p:sp>
@@ -4113,6 +4520,41 @@
                                   </p:childTnLst>
                                 </p:cTn>
                               </p:par>
+                              <p:par>
+                                <p:cTn id="10" presetID="10" presetClass="entr" presetSubtype="0" fill="hold" grpId="0" nodeType="withEffect">
+                                  <p:stCondLst>
+                                    <p:cond delay="0"/>
+                                  </p:stCondLst>
+                                  <p:childTnLst>
+                                    <p:set>
+                                      <p:cBhvr>
+                                        <p:cTn id="11" dur="1" fill="hold">
+                                          <p:stCondLst>
+                                            <p:cond delay="0"/>
+                                          </p:stCondLst>
+                                        </p:cTn>
+                                        <p:tgtEl>
+                                          <p:spTgt spid="13"/>
+                                        </p:tgtEl>
+                                        <p:attrNameLst>
+                                          <p:attrName>style.visibility</p:attrName>
+                                        </p:attrNameLst>
+                                      </p:cBhvr>
+                                      <p:to>
+                                        <p:strVal val="visible"/>
+                                      </p:to>
+                                    </p:set>
+                                    <p:animEffect transition="in" filter="fade">
+                                      <p:cBhvr>
+                                        <p:cTn id="12" dur="500"/>
+                                        <p:tgtEl>
+                                          <p:spTgt spid="13"/>
+                                        </p:tgtEl>
+                                      </p:cBhvr>
+                                    </p:animEffect>
+                                  </p:childTnLst>
+                                </p:cTn>
+                              </p:par>
                             </p:childTnLst>
                           </p:cTn>
                         </p:par>
@@ -4120,26 +4562,26 @@
                     </p:cTn>
                   </p:par>
                   <p:par>
-                    <p:cTn id="10" fill="hold">
+                    <p:cTn id="13" fill="hold">
                       <p:stCondLst>
                         <p:cond delay="indefinite"/>
                       </p:stCondLst>
                       <p:childTnLst>
                         <p:par>
-                          <p:cTn id="11" fill="hold">
+                          <p:cTn id="14" fill="hold">
                             <p:stCondLst>
                               <p:cond delay="0"/>
                             </p:stCondLst>
                             <p:childTnLst>
                               <p:par>
-                                <p:cTn id="12" presetID="42" presetClass="path" presetSubtype="0" accel="50000" decel="50000" fill="hold" grpId="1" nodeType="clickEffect">
+                                <p:cTn id="15" presetID="42" presetClass="path" presetSubtype="0" accel="50000" decel="50000" fill="hold" grpId="1" nodeType="clickEffect">
                                   <p:stCondLst>
                                     <p:cond delay="0"/>
                                   </p:stCondLst>
                                   <p:childTnLst>
                                     <p:animMotion origin="layout" path="M 4.79167E-6 0 L 0.46354 0.00208 " pathEditMode="relative" rAng="0" ptsTypes="AA">
                                       <p:cBhvr>
-                                        <p:cTn id="13" dur="2000" fill="hold"/>
+                                        <p:cTn id="16" dur="2000" fill="hold"/>
                                         <p:tgtEl>
                                           <p:spTgt spid="6"/>
                                         </p:tgtEl>
@@ -4160,26 +4602,26 @@
                     </p:cTn>
                   </p:par>
                   <p:par>
-                    <p:cTn id="14" fill="hold">
+                    <p:cTn id="17" fill="hold">
                       <p:stCondLst>
                         <p:cond delay="indefinite"/>
                       </p:stCondLst>
                       <p:childTnLst>
                         <p:par>
-                          <p:cTn id="15" fill="hold">
+                          <p:cTn id="18" fill="hold">
                             <p:stCondLst>
                               <p:cond delay="0"/>
                             </p:stCondLst>
                             <p:childTnLst>
                               <p:par>
-                                <p:cTn id="16" presetID="10" presetClass="entr" presetSubtype="0" fill="hold" nodeType="clickEffect">
+                                <p:cTn id="19" presetID="10" presetClass="entr" presetSubtype="0" fill="hold" nodeType="clickEffect">
                                   <p:stCondLst>
                                     <p:cond delay="0"/>
                                   </p:stCondLst>
                                   <p:childTnLst>
                                     <p:set>
                                       <p:cBhvr>
-                                        <p:cTn id="17" dur="1" fill="hold">
+                                        <p:cTn id="20" dur="1" fill="hold">
                                           <p:stCondLst>
                                             <p:cond delay="0"/>
                                           </p:stCondLst>
@@ -4197,7 +4639,7 @@
                                     </p:set>
                                     <p:animEffect transition="in" filter="fade">
                                       <p:cBhvr>
-                                        <p:cTn id="18" dur="500"/>
+                                        <p:cTn id="21" dur="500"/>
                                         <p:tgtEl>
                                           <p:spTgt spid="9"/>
                                         </p:tgtEl>
@@ -4207,14 +4649,49 @@
                                 </p:cTn>
                               </p:par>
                               <p:par>
-                                <p:cTn id="19" presetID="10" presetClass="entr" presetSubtype="0" fill="hold" grpId="0" nodeType="withEffect">
+                                <p:cTn id="22" presetID="22" presetClass="exit" presetSubtype="4" fill="hold" grpId="1" nodeType="withEffect">
                                   <p:stCondLst>
-                                    <p:cond delay="500"/>
+                                    <p:cond delay="0"/>
+                                  </p:stCondLst>
+                                  <p:childTnLst>
+                                    <p:animEffect transition="out" filter="wipe(down)">
+                                      <p:cBhvr>
+                                        <p:cTn id="23" dur="10"/>
+                                        <p:tgtEl>
+                                          <p:spTgt spid="13"/>
+                                        </p:tgtEl>
+                                      </p:cBhvr>
+                                    </p:animEffect>
+                                    <p:set>
+                                      <p:cBhvr>
+                                        <p:cTn id="24" dur="1" fill="hold">
+                                          <p:stCondLst>
+                                            <p:cond delay="9"/>
+                                          </p:stCondLst>
+                                        </p:cTn>
+                                        <p:tgtEl>
+                                          <p:spTgt spid="13"/>
+                                        </p:tgtEl>
+                                        <p:attrNameLst>
+                                          <p:attrName>style.visibility</p:attrName>
+                                        </p:attrNameLst>
+                                      </p:cBhvr>
+                                      <p:to>
+                                        <p:strVal val="hidden"/>
+                                      </p:to>
+                                    </p:set>
+                                  </p:childTnLst>
+                                </p:cTn>
+                              </p:par>
+                              <p:par>
+                                <p:cTn id="25" presetID="10" presetClass="entr" presetSubtype="0" fill="hold" grpId="0" nodeType="withEffect">
+                                  <p:stCondLst>
+                                    <p:cond delay="0"/>
                                   </p:stCondLst>
                                   <p:childTnLst>
                                     <p:set>
                                       <p:cBhvr>
-                                        <p:cTn id="20" dur="1" fill="hold">
+                                        <p:cTn id="26" dur="1" fill="hold">
                                           <p:stCondLst>
                                             <p:cond delay="0"/>
                                           </p:stCondLst>
@@ -4232,9 +4709,149 @@
                                     </p:set>
                                     <p:animEffect transition="in" filter="fade">
                                       <p:cBhvr>
-                                        <p:cTn id="21" dur="500"/>
+                                        <p:cTn id="27" dur="500"/>
                                         <p:tgtEl>
                                           <p:spTgt spid="10"/>
+                                        </p:tgtEl>
+                                      </p:cBhvr>
+                                    </p:animEffect>
+                                  </p:childTnLst>
+                                </p:cTn>
+                              </p:par>
+                              <p:par>
+                                <p:cTn id="28" presetID="10" presetClass="entr" presetSubtype="0" fill="hold" nodeType="withEffect">
+                                  <p:stCondLst>
+                                    <p:cond delay="0"/>
+                                  </p:stCondLst>
+                                  <p:childTnLst>
+                                    <p:set>
+                                      <p:cBhvr>
+                                        <p:cTn id="29" dur="1" fill="hold">
+                                          <p:stCondLst>
+                                            <p:cond delay="0"/>
+                                          </p:stCondLst>
+                                        </p:cTn>
+                                        <p:tgtEl>
+                                          <p:spTgt spid="4"/>
+                                        </p:tgtEl>
+                                        <p:attrNameLst>
+                                          <p:attrName>style.visibility</p:attrName>
+                                        </p:attrNameLst>
+                                      </p:cBhvr>
+                                      <p:to>
+                                        <p:strVal val="visible"/>
+                                      </p:to>
+                                    </p:set>
+                                    <p:animEffect transition="in" filter="fade">
+                                      <p:cBhvr>
+                                        <p:cTn id="30" dur="1000"/>
+                                        <p:tgtEl>
+                                          <p:spTgt spid="4"/>
+                                        </p:tgtEl>
+                                      </p:cBhvr>
+                                    </p:animEffect>
+                                  </p:childTnLst>
+                                </p:cTn>
+                              </p:par>
+                              <p:par>
+                                <p:cTn id="31" presetID="22" presetClass="exit" presetSubtype="4" fill="hold" nodeType="withEffect">
+                                  <p:stCondLst>
+                                    <p:cond delay="0"/>
+                                  </p:stCondLst>
+                                  <p:childTnLst>
+                                    <p:animEffect transition="out" filter="wipe(down)">
+                                      <p:cBhvr>
+                                        <p:cTn id="32" dur="500"/>
+                                        <p:tgtEl>
+                                          <p:spTgt spid="5"/>
+                                        </p:tgtEl>
+                                      </p:cBhvr>
+                                    </p:animEffect>
+                                    <p:set>
+                                      <p:cBhvr>
+                                        <p:cTn id="33" dur="1" fill="hold">
+                                          <p:stCondLst>
+                                            <p:cond delay="499"/>
+                                          </p:stCondLst>
+                                        </p:cTn>
+                                        <p:tgtEl>
+                                          <p:spTgt spid="5"/>
+                                        </p:tgtEl>
+                                        <p:attrNameLst>
+                                          <p:attrName>style.visibility</p:attrName>
+                                        </p:attrNameLst>
+                                      </p:cBhvr>
+                                      <p:to>
+                                        <p:strVal val="hidden"/>
+                                      </p:to>
+                                    </p:set>
+                                  </p:childTnLst>
+                                </p:cTn>
+                              </p:par>
+                              <p:par>
+                                <p:cTn id="34" presetID="10" presetClass="entr" presetSubtype="0" fill="hold" grpId="0" nodeType="withEffect">
+                                  <p:stCondLst>
+                                    <p:cond delay="0"/>
+                                  </p:stCondLst>
+                                  <p:childTnLst>
+                                    <p:set>
+                                      <p:cBhvr>
+                                        <p:cTn id="35" dur="1" fill="hold">
+                                          <p:stCondLst>
+                                            <p:cond delay="0"/>
+                                          </p:stCondLst>
+                                        </p:cTn>
+                                        <p:tgtEl>
+                                          <p:spTgt spid="11"/>
+                                        </p:tgtEl>
+                                        <p:attrNameLst>
+                                          <p:attrName>style.visibility</p:attrName>
+                                        </p:attrNameLst>
+                                      </p:cBhvr>
+                                      <p:to>
+                                        <p:strVal val="visible"/>
+                                      </p:to>
+                                    </p:set>
+                                    <p:animEffect transition="in" filter="fade">
+                                      <p:cBhvr>
+                                        <p:cTn id="36" dur="500"/>
+                                        <p:tgtEl>
+                                          <p:spTgt spid="11"/>
+                                        </p:tgtEl>
+                                      </p:cBhvr>
+                                    </p:animEffect>
+                                  </p:childTnLst>
+                                </p:cTn>
+                              </p:par>
+                              <p:par>
+                                <p:cTn id="37" presetID="10" presetClass="entr" presetSubtype="0" fill="hold" grpId="0" nodeType="withEffect">
+                                  <p:stCondLst>
+                                    <p:cond delay="0"/>
+                                  </p:stCondLst>
+                                  <p:childTnLst>
+                                    <p:set>
+                                      <p:cBhvr>
+                                        <p:cTn id="38" dur="1" fill="hold">
+                                          <p:stCondLst>
+                                            <p:cond delay="0"/>
+                                          </p:stCondLst>
+                                        </p:cTn>
+                                        <p:tgtEl>
+                                          <p:spTgt spid="12"/>
+                                        </p:tgtEl>
+                                        <p:attrNameLst>
+                                          <p:attrName>style.visibility</p:attrName>
+                                        </p:attrNameLst>
+                                      </p:cBhvr>
+                                      <p:to>
+                                        <p:strVal val="visible"/>
+                                      </p:to>
+                                    </p:set>
+                                    <p:animEffect transition="in" filter="fade">
+                                      <p:cBhvr>
+                                        <p:cTn id="39" dur="1000"/>
+                                        <p:tgtEl>
+                                          <p:spTgt spid="12"/>
                                         </p:tgtEl>
                                       </p:cBhvr>
                                     </p:animEffect>
@@ -4272,6 +4889,10 @@
       <p:bldP spid="6" grpId="0" animBg="1"/>
       <p:bldP spid="6" grpId="1" animBg="1"/>
       <p:bldP spid="10" grpId="0"/>
+      <p:bldP spid="11" grpId="0" animBg="1"/>
+      <p:bldP spid="12" grpId="0"/>
+      <p:bldP spid="13" grpId="0"/>
+      <p:bldP spid="13" grpId="1"/>
     </p:bldLst>
   </p:timing>
 </p:sld>

--- a/Idea_Pitch.pptx
+++ b/Idea_Pitch.pptx
@@ -3522,6 +3522,14 @@
 <file path=ppt/slides/slide3.xml><?xml version="1.0" encoding="utf-8"?>
 <p:sld xmlns:a="http://schemas.openxmlformats.org/drawingml/2006/main" xmlns:r="http://schemas.openxmlformats.org/officeDocument/2006/relationships" xmlns:p="http://schemas.openxmlformats.org/presentationml/2006/main">
   <p:cSld>
+    <p:bg>
+      <p:bgPr>
+        <a:solidFill>
+          <a:schemeClr val="bg1"/>
+        </a:solidFill>
+        <a:effectLst/>
+      </p:bgPr>
+    </p:bg>
     <p:spTree>
       <p:nvGrpSpPr>
         <p:cNvPr id="1" name=""/>
@@ -3538,6 +3546,137 @@
       </p:grpSpPr>
       <p:sp>
         <p:nvSpPr>
+          <p:cNvPr id="11" name="Rectangle 10">
+            <a:extLst>
+              <a:ext uri="{FF2B5EF4-FFF2-40B4-BE49-F238E27FC236}">
+                <a16:creationId xmlns:a16="http://schemas.microsoft.com/office/drawing/2014/main" id="{799A8B4F-0FED-46C0-9186-5A8E116D8744}"/>
+              </a:ext>
+              <a:ext uri="{C183D7F6-B498-43B3-948B-1728B52AA6E4}">
+                <adec:decorative xmlns:adec="http://schemas.microsoft.com/office/drawing/2017/decorative" val="1"/>
+              </a:ext>
+            </a:extLst>
+          </p:cNvPr>
+          <p:cNvSpPr>
+            <a:spLocks noGrp="1" noRot="1" noChangeAspect="1" noMove="1" noResize="1" noEditPoints="1" noAdjustHandles="1" noChangeArrowheads="1" noChangeShapeType="1" noTextEdit="1"/>
+          </p:cNvSpPr>
+          <p:nvPr>
+            <p:extLst>
+              <p:ext uri="{386F3935-93C4-4BCD-93E2-E3B085C9AB24}">
+                <p16:designElem xmlns:p16="http://schemas.microsoft.com/office/powerpoint/2015/main" val="1"/>
+              </p:ext>
+            </p:extLst>
+          </p:nvPr>
+        </p:nvSpPr>
+        <p:spPr>
+          <a:xfrm>
+            <a:off x="5708905" y="0"/>
+            <a:ext cx="6483095" cy="6858000"/>
+          </a:xfrm>
+          <a:prstGeom prst="rect">
+            <a:avLst/>
+          </a:prstGeom>
+          <a:gradFill>
+            <a:gsLst>
+              <a:gs pos="0">
+                <a:schemeClr val="accent1">
+                  <a:lumMod val="100000"/>
+                  <a:alpha val="82000"/>
+                </a:schemeClr>
+              </a:gs>
+              <a:gs pos="25000">
+                <a:schemeClr val="accent1">
+                  <a:alpha val="60000"/>
+                </a:schemeClr>
+              </a:gs>
+              <a:gs pos="94000">
+                <a:schemeClr val="bg2">
+                  <a:lumMod val="75000"/>
+                </a:schemeClr>
+              </a:gs>
+              <a:gs pos="100000">
+                <a:schemeClr val="bg2">
+                  <a:lumMod val="75000"/>
+                </a:schemeClr>
+              </a:gs>
+            </a:gsLst>
+            <a:lin ang="4200000" scaled="0"/>
+          </a:gradFill>
+          <a:ln>
+            <a:noFill/>
+          </a:ln>
+        </p:spPr>
+        <p:style>
+          <a:lnRef idx="2">
+            <a:schemeClr val="accent1">
+              <a:shade val="50000"/>
+            </a:schemeClr>
+          </a:lnRef>
+          <a:fillRef idx="1">
+            <a:schemeClr val="accent1"/>
+          </a:fillRef>
+          <a:effectRef idx="0">
+            <a:schemeClr val="accent1"/>
+          </a:effectRef>
+          <a:fontRef idx="minor">
+            <a:schemeClr val="lt1"/>
+          </a:fontRef>
+        </p:style>
+        <p:txBody>
+          <a:bodyPr rtlCol="0" anchor="ctr"/>
+          <a:lstStyle/>
+          <a:p>
+            <a:pPr algn="ctr"/>
+            <a:endParaRPr lang="en-US"/>
+          </a:p>
+        </p:txBody>
+      </p:sp>
+      <p:pic>
+        <p:nvPicPr>
+          <p:cNvPr id="13" name="Picture 12">
+            <a:extLst>
+              <a:ext uri="{FF2B5EF4-FFF2-40B4-BE49-F238E27FC236}">
+                <a16:creationId xmlns:a16="http://schemas.microsoft.com/office/drawing/2014/main" id="{DA6861EE-7660-46C9-80BD-173B8F7454B8}"/>
+              </a:ext>
+              <a:ext uri="{C183D7F6-B498-43B3-948B-1728B52AA6E4}">
+                <adec:decorative xmlns:adec="http://schemas.microsoft.com/office/drawing/2017/decorative" val="1"/>
+              </a:ext>
+            </a:extLst>
+          </p:cNvPr>
+          <p:cNvPicPr>
+            <a:picLocks noGrp="1" noRot="1" noChangeAspect="1" noMove="1" noResize="1" noEditPoints="1" noAdjustHandles="1" noChangeArrowheads="1" noChangeShapeType="1" noCrop="1"/>
+          </p:cNvPicPr>
+          <p:nvPr>
+            <p:extLst>
+              <p:ext uri="{386F3935-93C4-4BCD-93E2-E3B085C9AB24}">
+                <p16:designElem xmlns:p16="http://schemas.microsoft.com/office/powerpoint/2015/main" val="1"/>
+              </p:ext>
+            </p:extLst>
+          </p:nvPr>
+        </p:nvPicPr>
+        <p:blipFill>
+          <a:blip r:embed="rId2">
+            <a:extLst>
+              <a:ext uri="{28A0092B-C50C-407E-A947-70E740481C1C}">
+                <a14:useLocalDpi xmlns:a14="http://schemas.microsoft.com/office/drawing/2010/main" val="0"/>
+              </a:ext>
+            </a:extLst>
+          </a:blip>
+          <a:stretch>
+            <a:fillRect/>
+          </a:stretch>
+        </p:blipFill>
+        <p:spPr>
+          <a:xfrm>
+            <a:off x="0" y="0"/>
+            <a:ext cx="12192000" cy="6858000"/>
+          </a:xfrm>
+          <a:prstGeom prst="rect">
+            <a:avLst/>
+          </a:prstGeom>
+        </p:spPr>
+      </p:pic>
+      <p:sp>
+        <p:nvSpPr>
           <p:cNvPr id="2" name="Titel 1">
             <a:extLst>
               <a:ext uri="{FF2B5EF4-FFF2-40B4-BE49-F238E27FC236}">
@@ -3552,24 +3691,47 @@
             <p:ph type="title"/>
           </p:nvPr>
         </p:nvSpPr>
-        <p:spPr/>
-        <p:txBody>
-          <a:bodyPr/>
-          <a:lstStyle/>
-          <a:p>
-            <a:r>
-              <a:rPr lang="de-CH" dirty="0" err="1"/>
+        <p:spPr>
+          <a:xfrm>
+            <a:off x="807365" y="802955"/>
+            <a:ext cx="6318649" cy="1454051"/>
+          </a:xfrm>
+        </p:spPr>
+        <p:txBody>
+          <a:bodyPr>
+            <a:normAutofit/>
+          </a:bodyPr>
+          <a:lstStyle/>
+          <a:p>
+            <a:r>
+              <a:rPr lang="de-CH" sz="3600" dirty="0" err="1">
+                <a:solidFill>
+                  <a:srgbClr val="000000"/>
+                </a:solidFill>
+              </a:rPr>
               <a:t>Current</a:t>
             </a:r>
             <a:r>
-              <a:rPr lang="de-CH" dirty="0"/>
+              <a:rPr lang="de-CH" sz="3600" dirty="0">
+                <a:solidFill>
+                  <a:srgbClr val="000000"/>
+                </a:solidFill>
+              </a:rPr>
               <a:t> </a:t>
             </a:r>
             <a:r>
-              <a:rPr lang="de-CH" dirty="0" err="1"/>
+              <a:rPr lang="de-CH" sz="3600" dirty="0" err="1">
+                <a:solidFill>
+                  <a:srgbClr val="000000"/>
+                </a:solidFill>
+              </a:rPr>
               <a:t>state</a:t>
             </a:r>
-            <a:endParaRPr lang="de-CH" dirty="0"/>
+            <a:endParaRPr lang="de-CH" sz="3600" dirty="0">
+              <a:solidFill>
+                <a:srgbClr val="000000"/>
+              </a:solidFill>
+            </a:endParaRPr>
           </a:p>
         </p:txBody>
       </p:sp>
@@ -3589,15 +3751,942 @@
             <p:ph idx="1"/>
           </p:nvPr>
         </p:nvSpPr>
-        <p:spPr/>
-        <p:txBody>
-          <a:bodyPr/>
-          <a:lstStyle/>
-          <a:p>
-            <a:endParaRPr lang="de-CH"/>
-          </a:p>
-        </p:txBody>
-      </p:sp>
+        <p:spPr>
+          <a:xfrm>
+            <a:off x="803807" y="2421682"/>
+            <a:ext cx="4650524" cy="3639289"/>
+          </a:xfrm>
+        </p:spPr>
+        <p:txBody>
+          <a:bodyPr anchor="ctr">
+            <a:noAutofit/>
+          </a:bodyPr>
+          <a:lstStyle/>
+          <a:p>
+            <a:r>
+              <a:rPr lang="de-CH" sz="2000" dirty="0">
+                <a:solidFill>
+                  <a:srgbClr val="000000"/>
+                </a:solidFill>
+                <a:latin typeface="+mn-lt"/>
+                <a:ea typeface="+mn-ea"/>
+              </a:rPr>
+              <a:t>FHNW </a:t>
+            </a:r>
+            <a:r>
+              <a:rPr lang="de-CH" sz="2000" dirty="0" err="1">
+                <a:solidFill>
+                  <a:srgbClr val="000000"/>
+                </a:solidFill>
+                <a:latin typeface="+mn-lt"/>
+                <a:ea typeface="+mn-ea"/>
+              </a:rPr>
+              <a:t>receives</a:t>
+            </a:r>
+            <a:r>
+              <a:rPr lang="de-CH" sz="2000" dirty="0">
+                <a:solidFill>
+                  <a:srgbClr val="000000"/>
+                </a:solidFill>
+                <a:latin typeface="+mn-lt"/>
+                <a:ea typeface="+mn-ea"/>
+              </a:rPr>
+              <a:t> a </a:t>
+            </a:r>
+            <a:r>
+              <a:rPr lang="de-CH" sz="2000" dirty="0" err="1">
+                <a:solidFill>
+                  <a:srgbClr val="000000"/>
+                </a:solidFill>
+                <a:latin typeface="+mn-lt"/>
+                <a:ea typeface="+mn-ea"/>
+              </a:rPr>
+              <a:t>lot</a:t>
+            </a:r>
+            <a:r>
+              <a:rPr lang="de-CH" sz="2000" dirty="0">
+                <a:solidFill>
+                  <a:srgbClr val="000000"/>
+                </a:solidFill>
+                <a:latin typeface="+mn-lt"/>
+                <a:ea typeface="+mn-ea"/>
+              </a:rPr>
+              <a:t> </a:t>
+            </a:r>
+            <a:r>
+              <a:rPr lang="de-CH" sz="2000" dirty="0" err="1">
+                <a:solidFill>
+                  <a:srgbClr val="000000"/>
+                </a:solidFill>
+                <a:latin typeface="+mn-lt"/>
+                <a:ea typeface="+mn-ea"/>
+              </a:rPr>
+              <a:t>of</a:t>
+            </a:r>
+            <a:r>
+              <a:rPr lang="de-CH" sz="2000" dirty="0">
+                <a:solidFill>
+                  <a:srgbClr val="000000"/>
+                </a:solidFill>
+                <a:latin typeface="+mn-lt"/>
+                <a:ea typeface="+mn-ea"/>
+              </a:rPr>
+              <a:t> different </a:t>
+            </a:r>
+            <a:r>
+              <a:rPr lang="de-CH" sz="2000" dirty="0" err="1">
+                <a:solidFill>
+                  <a:srgbClr val="000000"/>
+                </a:solidFill>
+                <a:latin typeface="+mn-lt"/>
+                <a:ea typeface="+mn-ea"/>
+              </a:rPr>
+              <a:t>questions</a:t>
+            </a:r>
+            <a:r>
+              <a:rPr lang="de-CH" sz="2000" dirty="0">
+                <a:solidFill>
+                  <a:srgbClr val="000000"/>
+                </a:solidFill>
+                <a:latin typeface="+mn-lt"/>
+                <a:ea typeface="+mn-ea"/>
+              </a:rPr>
+              <a:t>:</a:t>
+            </a:r>
+          </a:p>
+          <a:p>
+            <a:endParaRPr lang="de-CH" sz="2000" dirty="0">
+              <a:solidFill>
+                <a:srgbClr val="000000"/>
+              </a:solidFill>
+              <a:latin typeface="+mn-lt"/>
+              <a:ea typeface="+mn-ea"/>
+            </a:endParaRPr>
+          </a:p>
+          <a:p>
+            <a:pPr lvl="1"/>
+            <a:r>
+              <a:rPr lang="de-CH" sz="2000" dirty="0">
+                <a:solidFill>
+                  <a:srgbClr val="000000"/>
+                </a:solidFill>
+                <a:latin typeface="+mn-lt"/>
+                <a:ea typeface="+mn-ea"/>
+              </a:rPr>
+              <a:t>Administrative </a:t>
+            </a:r>
+            <a:r>
+              <a:rPr lang="de-CH" sz="2000" dirty="0" err="1">
+                <a:solidFill>
+                  <a:srgbClr val="000000"/>
+                </a:solidFill>
+                <a:latin typeface="+mn-lt"/>
+                <a:ea typeface="+mn-ea"/>
+              </a:rPr>
+              <a:t>questions</a:t>
+            </a:r>
+            <a:endParaRPr lang="de-CH" sz="2000" dirty="0">
+              <a:solidFill>
+                <a:srgbClr val="000000"/>
+              </a:solidFill>
+              <a:latin typeface="+mn-lt"/>
+              <a:ea typeface="+mn-ea"/>
+            </a:endParaRPr>
+          </a:p>
+          <a:p>
+            <a:pPr lvl="1"/>
+            <a:endParaRPr lang="de-CH" sz="2000" dirty="0">
+              <a:solidFill>
+                <a:srgbClr val="000000"/>
+              </a:solidFill>
+              <a:latin typeface="+mn-lt"/>
+              <a:ea typeface="+mn-ea"/>
+            </a:endParaRPr>
+          </a:p>
+          <a:p>
+            <a:pPr lvl="1"/>
+            <a:r>
+              <a:rPr lang="de-CH" sz="2000" dirty="0">
+                <a:solidFill>
+                  <a:srgbClr val="000000"/>
+                </a:solidFill>
+                <a:latin typeface="+mn-lt"/>
+                <a:ea typeface="+mn-ea"/>
+              </a:rPr>
+              <a:t>Curriculum-</a:t>
+            </a:r>
+            <a:r>
+              <a:rPr lang="de-CH" sz="2000" dirty="0" err="1">
+                <a:solidFill>
+                  <a:srgbClr val="000000"/>
+                </a:solidFill>
+                <a:latin typeface="+mn-lt"/>
+                <a:ea typeface="+mn-ea"/>
+              </a:rPr>
+              <a:t>related</a:t>
+            </a:r>
+            <a:r>
+              <a:rPr lang="de-CH" sz="2000" dirty="0">
+                <a:solidFill>
+                  <a:srgbClr val="000000"/>
+                </a:solidFill>
+                <a:latin typeface="+mn-lt"/>
+                <a:ea typeface="+mn-ea"/>
+              </a:rPr>
+              <a:t> </a:t>
+            </a:r>
+            <a:r>
+              <a:rPr lang="de-CH" sz="2000" dirty="0" err="1">
+                <a:solidFill>
+                  <a:srgbClr val="000000"/>
+                </a:solidFill>
+                <a:latin typeface="+mn-lt"/>
+                <a:ea typeface="+mn-ea"/>
+              </a:rPr>
+              <a:t>questions</a:t>
+            </a:r>
+            <a:endParaRPr lang="de-CH" sz="2000" dirty="0">
+              <a:solidFill>
+                <a:srgbClr val="000000"/>
+              </a:solidFill>
+              <a:latin typeface="+mn-lt"/>
+              <a:ea typeface="+mn-ea"/>
+            </a:endParaRPr>
+          </a:p>
+          <a:p>
+            <a:pPr lvl="1"/>
+            <a:endParaRPr lang="de-CH" sz="2000" dirty="0">
+              <a:solidFill>
+                <a:srgbClr val="000000"/>
+              </a:solidFill>
+              <a:latin typeface="+mn-lt"/>
+              <a:ea typeface="+mn-ea"/>
+            </a:endParaRPr>
+          </a:p>
+          <a:p>
+            <a:pPr lvl="1"/>
+            <a:r>
+              <a:rPr lang="de-CH" sz="2000" dirty="0">
+                <a:solidFill>
+                  <a:srgbClr val="000000"/>
+                </a:solidFill>
+                <a:latin typeface="+mn-lt"/>
+                <a:ea typeface="+mn-ea"/>
+              </a:rPr>
+              <a:t>Module-</a:t>
+            </a:r>
+            <a:r>
+              <a:rPr lang="de-CH" sz="2000" dirty="0" err="1">
+                <a:solidFill>
+                  <a:srgbClr val="000000"/>
+                </a:solidFill>
+                <a:latin typeface="+mn-lt"/>
+                <a:ea typeface="+mn-ea"/>
+              </a:rPr>
+              <a:t>related</a:t>
+            </a:r>
+            <a:r>
+              <a:rPr lang="de-CH" sz="2000" dirty="0">
+                <a:solidFill>
+                  <a:srgbClr val="000000"/>
+                </a:solidFill>
+                <a:latin typeface="+mn-lt"/>
+                <a:ea typeface="+mn-ea"/>
+              </a:rPr>
+              <a:t> </a:t>
+            </a:r>
+            <a:r>
+              <a:rPr lang="de-CH" sz="2000" dirty="0" err="1">
+                <a:solidFill>
+                  <a:srgbClr val="000000"/>
+                </a:solidFill>
+                <a:latin typeface="+mn-lt"/>
+                <a:ea typeface="+mn-ea"/>
+              </a:rPr>
+              <a:t>questions</a:t>
+            </a:r>
+            <a:endParaRPr lang="de-CH" sz="2000" dirty="0">
+              <a:solidFill>
+                <a:srgbClr val="000000"/>
+              </a:solidFill>
+              <a:latin typeface="+mn-lt"/>
+              <a:ea typeface="+mn-ea"/>
+            </a:endParaRPr>
+          </a:p>
+          <a:p>
+            <a:endParaRPr lang="de-CH" sz="2000" dirty="0">
+              <a:solidFill>
+                <a:srgbClr val="000000"/>
+              </a:solidFill>
+              <a:latin typeface="+mn-lt"/>
+              <a:ea typeface="+mn-ea"/>
+            </a:endParaRPr>
+          </a:p>
+          <a:p>
+            <a:r>
+              <a:rPr lang="de-CH" sz="2000" dirty="0" err="1">
+                <a:solidFill>
+                  <a:srgbClr val="000000"/>
+                </a:solidFill>
+                <a:latin typeface="+mn-lt"/>
+                <a:ea typeface="+mn-ea"/>
+              </a:rPr>
+              <a:t>Answering</a:t>
+            </a:r>
+            <a:r>
+              <a:rPr lang="de-CH" sz="2000" dirty="0">
+                <a:solidFill>
+                  <a:srgbClr val="000000"/>
+                </a:solidFill>
+                <a:latin typeface="+mn-lt"/>
+                <a:ea typeface="+mn-ea"/>
+              </a:rPr>
+              <a:t> </a:t>
+            </a:r>
+            <a:r>
+              <a:rPr lang="de-CH" sz="2000" dirty="0" err="1">
+                <a:solidFill>
+                  <a:srgbClr val="000000"/>
+                </a:solidFill>
+                <a:latin typeface="+mn-lt"/>
+                <a:ea typeface="+mn-ea"/>
+              </a:rPr>
+              <a:t>these</a:t>
+            </a:r>
+            <a:r>
+              <a:rPr lang="de-CH" sz="2000" dirty="0">
+                <a:solidFill>
+                  <a:srgbClr val="000000"/>
+                </a:solidFill>
+                <a:latin typeface="+mn-lt"/>
+                <a:ea typeface="+mn-ea"/>
+              </a:rPr>
+              <a:t> </a:t>
+            </a:r>
+            <a:r>
+              <a:rPr lang="de-CH" sz="2000" dirty="0" err="1">
+                <a:solidFill>
+                  <a:srgbClr val="000000"/>
+                </a:solidFill>
+                <a:latin typeface="+mn-lt"/>
+                <a:ea typeface="+mn-ea"/>
+              </a:rPr>
+              <a:t>questions</a:t>
+            </a:r>
+            <a:r>
+              <a:rPr lang="de-CH" sz="2000" dirty="0">
+                <a:solidFill>
+                  <a:srgbClr val="000000"/>
+                </a:solidFill>
+                <a:latin typeface="+mn-lt"/>
+                <a:ea typeface="+mn-ea"/>
+              </a:rPr>
+              <a:t> </a:t>
+            </a:r>
+            <a:r>
+              <a:rPr lang="de-CH" sz="2000" dirty="0" err="1">
+                <a:solidFill>
+                  <a:srgbClr val="000000"/>
+                </a:solidFill>
+                <a:latin typeface="+mn-lt"/>
+                <a:ea typeface="+mn-ea"/>
+              </a:rPr>
+              <a:t>takes</a:t>
+            </a:r>
+            <a:r>
+              <a:rPr lang="de-CH" sz="2000" dirty="0">
+                <a:solidFill>
+                  <a:srgbClr val="000000"/>
+                </a:solidFill>
+                <a:latin typeface="+mn-lt"/>
+                <a:ea typeface="+mn-ea"/>
+              </a:rPr>
+              <a:t> a </a:t>
+            </a:r>
+            <a:r>
+              <a:rPr lang="de-CH" sz="2000" dirty="0" err="1">
+                <a:solidFill>
+                  <a:srgbClr val="000000"/>
+                </a:solidFill>
+                <a:latin typeface="+mn-lt"/>
+                <a:ea typeface="+mn-ea"/>
+              </a:rPr>
+              <a:t>lot</a:t>
+            </a:r>
+            <a:r>
+              <a:rPr lang="de-CH" sz="2000" dirty="0">
+                <a:solidFill>
+                  <a:srgbClr val="000000"/>
+                </a:solidFill>
+                <a:latin typeface="+mn-lt"/>
+                <a:ea typeface="+mn-ea"/>
+              </a:rPr>
+              <a:t> </a:t>
+            </a:r>
+            <a:r>
+              <a:rPr lang="de-CH" sz="2000" dirty="0" err="1">
+                <a:solidFill>
+                  <a:srgbClr val="000000"/>
+                </a:solidFill>
+                <a:latin typeface="+mn-lt"/>
+                <a:ea typeface="+mn-ea"/>
+              </a:rPr>
+              <a:t>of</a:t>
+            </a:r>
+            <a:r>
+              <a:rPr lang="de-CH" sz="2000" dirty="0">
+                <a:solidFill>
+                  <a:srgbClr val="000000"/>
+                </a:solidFill>
+                <a:latin typeface="+mn-lt"/>
+                <a:ea typeface="+mn-ea"/>
+              </a:rPr>
+              <a:t> time </a:t>
+            </a:r>
+          </a:p>
+        </p:txBody>
+      </p:sp>
+      <p:sp>
+        <p:nvSpPr>
+          <p:cNvPr id="15" name="Oval 14">
+            <a:extLst>
+              <a:ext uri="{FF2B5EF4-FFF2-40B4-BE49-F238E27FC236}">
+                <a16:creationId xmlns:a16="http://schemas.microsoft.com/office/drawing/2014/main" id="{38A69B74-22E3-47CC-823F-18BE7930C814}"/>
+              </a:ext>
+              <a:ext uri="{C183D7F6-B498-43B3-948B-1728B52AA6E4}">
+                <adec:decorative xmlns:adec="http://schemas.microsoft.com/office/drawing/2017/decorative" val="1"/>
+              </a:ext>
+            </a:extLst>
+          </p:cNvPr>
+          <p:cNvSpPr>
+            <a:spLocks noGrp="1" noRot="1" noChangeAspect="1" noMove="1" noResize="1" noEditPoints="1" noAdjustHandles="1" noChangeArrowheads="1" noChangeShapeType="1" noTextEdit="1"/>
+          </p:cNvSpPr>
+          <p:nvPr>
+            <p:extLst>
+              <p:ext uri="{386F3935-93C4-4BCD-93E2-E3B085C9AB24}">
+                <p16:designElem xmlns:p16="http://schemas.microsoft.com/office/powerpoint/2015/main" val="1"/>
+              </p:ext>
+            </p:extLst>
+          </p:nvPr>
+        </p:nvSpPr>
+        <p:spPr>
+          <a:xfrm>
+            <a:off x="6089636" y="2960687"/>
+            <a:ext cx="2668748" cy="2668748"/>
+          </a:xfrm>
+          <a:prstGeom prst="ellipse">
+            <a:avLst/>
+          </a:prstGeom>
+          <a:solidFill>
+            <a:srgbClr val="FFFFFF"/>
+          </a:solidFill>
+          <a:ln>
+            <a:gradFill>
+              <a:gsLst>
+                <a:gs pos="0">
+                  <a:schemeClr val="accent1">
+                    <a:lumMod val="40000"/>
+                    <a:lumOff val="60000"/>
+                  </a:schemeClr>
+                </a:gs>
+                <a:gs pos="23000">
+                  <a:schemeClr val="accent1">
+                    <a:lumMod val="45000"/>
+                    <a:lumOff val="55000"/>
+                  </a:schemeClr>
+                </a:gs>
+                <a:gs pos="83000">
+                  <a:schemeClr val="bg2">
+                    <a:lumMod val="75000"/>
+                  </a:schemeClr>
+                </a:gs>
+                <a:gs pos="100000">
+                  <a:schemeClr val="bg2">
+                    <a:lumMod val="75000"/>
+                  </a:schemeClr>
+                </a:gs>
+              </a:gsLst>
+              <a:lin ang="5400000" scaled="1"/>
+            </a:gradFill>
+          </a:ln>
+        </p:spPr>
+        <p:style>
+          <a:lnRef idx="2">
+            <a:schemeClr val="accent1">
+              <a:shade val="50000"/>
+            </a:schemeClr>
+          </a:lnRef>
+          <a:fillRef idx="1">
+            <a:schemeClr val="accent1"/>
+          </a:fillRef>
+          <a:effectRef idx="0">
+            <a:schemeClr val="accent1"/>
+          </a:effectRef>
+          <a:fontRef idx="minor">
+            <a:schemeClr val="lt1"/>
+          </a:fontRef>
+        </p:style>
+        <p:txBody>
+          <a:bodyPr rtlCol="0" anchor="ctr"/>
+          <a:lstStyle/>
+          <a:p>
+            <a:pPr algn="ctr"/>
+            <a:endParaRPr lang="en-US"/>
+          </a:p>
+        </p:txBody>
+      </p:sp>
+      <p:sp>
+        <p:nvSpPr>
+          <p:cNvPr id="17" name="Freeform 71">
+            <a:extLst>
+              <a:ext uri="{FF2B5EF4-FFF2-40B4-BE49-F238E27FC236}">
+                <a16:creationId xmlns:a16="http://schemas.microsoft.com/office/drawing/2014/main" id="{1778637B-5DB8-4A75-B2E6-FC2B1BB9A7DB}"/>
+              </a:ext>
+              <a:ext uri="{C183D7F6-B498-43B3-948B-1728B52AA6E4}">
+                <adec:decorative xmlns:adec="http://schemas.microsoft.com/office/drawing/2017/decorative" val="1"/>
+              </a:ext>
+            </a:extLst>
+          </p:cNvPr>
+          <p:cNvSpPr>
+            <a:spLocks noGrp="1" noRot="1" noChangeAspect="1" noMove="1" noResize="1" noEditPoints="1" noAdjustHandles="1" noChangeArrowheads="1" noChangeShapeType="1" noTextEdit="1"/>
+          </p:cNvSpPr>
+          <p:nvPr>
+            <p:extLst>
+              <p:ext uri="{386F3935-93C4-4BCD-93E2-E3B085C9AB24}">
+                <p16:designElem xmlns:p16="http://schemas.microsoft.com/office/powerpoint/2015/main" val="1"/>
+              </p:ext>
+            </p:extLst>
+          </p:nvPr>
+        </p:nvSpPr>
+        <p:spPr>
+          <a:xfrm>
+            <a:off x="8157014" y="2"/>
+            <a:ext cx="4034987" cy="3428147"/>
+          </a:xfrm>
+          <a:custGeom>
+            <a:avLst/>
+            <a:gdLst>
+              <a:gd name="connsiteX0" fmla="*/ 350825 w 4034987"/>
+              <a:gd name="connsiteY0" fmla="*/ 0 h 3428147"/>
+              <a:gd name="connsiteX1" fmla="*/ 4034987 w 4034987"/>
+              <a:gd name="connsiteY1" fmla="*/ 0 h 3428147"/>
+              <a:gd name="connsiteX2" fmla="*/ 4034987 w 4034987"/>
+              <a:gd name="connsiteY2" fmla="*/ 2505205 h 3428147"/>
+              <a:gd name="connsiteX3" fmla="*/ 3951822 w 4034987"/>
+              <a:gd name="connsiteY3" fmla="*/ 2616420 h 3428147"/>
+              <a:gd name="connsiteX4" fmla="*/ 2230590 w 4034987"/>
+              <a:gd name="connsiteY4" fmla="*/ 3428147 h 3428147"/>
+              <a:gd name="connsiteX5" fmla="*/ 0 w 4034987"/>
+              <a:gd name="connsiteY5" fmla="*/ 1197557 h 3428147"/>
+              <a:gd name="connsiteX6" fmla="*/ 269220 w 4034987"/>
+              <a:gd name="connsiteY6" fmla="*/ 134326 h 3428147"/>
+            </a:gdLst>
+            <a:ahLst/>
+            <a:cxnLst>
+              <a:cxn ang="0">
+                <a:pos x="connsiteX0" y="connsiteY0"/>
+              </a:cxn>
+              <a:cxn ang="0">
+                <a:pos x="connsiteX1" y="connsiteY1"/>
+              </a:cxn>
+              <a:cxn ang="0">
+                <a:pos x="connsiteX2" y="connsiteY2"/>
+              </a:cxn>
+              <a:cxn ang="0">
+                <a:pos x="connsiteX3" y="connsiteY3"/>
+              </a:cxn>
+              <a:cxn ang="0">
+                <a:pos x="connsiteX4" y="connsiteY4"/>
+              </a:cxn>
+              <a:cxn ang="0">
+                <a:pos x="connsiteX5" y="connsiteY5"/>
+              </a:cxn>
+              <a:cxn ang="0">
+                <a:pos x="connsiteX6" y="connsiteY6"/>
+              </a:cxn>
+            </a:cxnLst>
+            <a:rect l="l" t="t" r="r" b="b"/>
+            <a:pathLst>
+              <a:path w="4034987" h="3428147">
+                <a:moveTo>
+                  <a:pt x="350825" y="0"/>
+                </a:moveTo>
+                <a:lnTo>
+                  <a:pt x="4034987" y="0"/>
+                </a:lnTo>
+                <a:lnTo>
+                  <a:pt x="4034987" y="2505205"/>
+                </a:lnTo>
+                <a:lnTo>
+                  <a:pt x="3951822" y="2616420"/>
+                </a:lnTo>
+                <a:cubicBezTo>
+                  <a:pt x="3542699" y="3112162"/>
+                  <a:pt x="2923546" y="3428147"/>
+                  <a:pt x="2230590" y="3428147"/>
+                </a:cubicBezTo>
+                <a:cubicBezTo>
+                  <a:pt x="998669" y="3428147"/>
+                  <a:pt x="0" y="2429478"/>
+                  <a:pt x="0" y="1197557"/>
+                </a:cubicBezTo>
+                <a:cubicBezTo>
+                  <a:pt x="0" y="812582"/>
+                  <a:pt x="97526" y="450385"/>
+                  <a:pt x="269220" y="134326"/>
+                </a:cubicBezTo>
+                <a:close/>
+              </a:path>
+            </a:pathLst>
+          </a:custGeom>
+          <a:solidFill>
+            <a:srgbClr val="FFFFFF"/>
+          </a:solidFill>
+          <a:ln>
+            <a:gradFill>
+              <a:gsLst>
+                <a:gs pos="0">
+                  <a:schemeClr val="accent1">
+                    <a:lumMod val="40000"/>
+                    <a:lumOff val="60000"/>
+                  </a:schemeClr>
+                </a:gs>
+                <a:gs pos="23000">
+                  <a:schemeClr val="accent1">
+                    <a:lumMod val="45000"/>
+                    <a:lumOff val="55000"/>
+                  </a:schemeClr>
+                </a:gs>
+                <a:gs pos="83000">
+                  <a:schemeClr val="bg2">
+                    <a:lumMod val="75000"/>
+                  </a:schemeClr>
+                </a:gs>
+                <a:gs pos="100000">
+                  <a:schemeClr val="bg2">
+                    <a:lumMod val="75000"/>
+                  </a:schemeClr>
+                </a:gs>
+              </a:gsLst>
+              <a:lin ang="5400000" scaled="1"/>
+            </a:gradFill>
+          </a:ln>
+        </p:spPr>
+        <p:style>
+          <a:lnRef idx="2">
+            <a:schemeClr val="accent1">
+              <a:shade val="50000"/>
+            </a:schemeClr>
+          </a:lnRef>
+          <a:fillRef idx="1">
+            <a:schemeClr val="accent1"/>
+          </a:fillRef>
+          <a:effectRef idx="0">
+            <a:schemeClr val="accent1"/>
+          </a:effectRef>
+          <a:fontRef idx="minor">
+            <a:schemeClr val="lt1"/>
+          </a:fontRef>
+        </p:style>
+        <p:txBody>
+          <a:bodyPr wrap="square" rtlCol="0" anchor="ctr">
+            <a:noAutofit/>
+          </a:bodyPr>
+          <a:lstStyle/>
+          <a:p>
+            <a:pPr algn="ctr"/>
+            <a:endParaRPr lang="en-US"/>
+          </a:p>
+        </p:txBody>
+      </p:sp>
+      <p:pic>
+        <p:nvPicPr>
+          <p:cNvPr id="6" name="Grafik 5">
+            <a:extLst>
+              <a:ext uri="{FF2B5EF4-FFF2-40B4-BE49-F238E27FC236}">
+                <a16:creationId xmlns:a16="http://schemas.microsoft.com/office/drawing/2014/main" id="{95D83EA4-3012-134B-B892-BDB2FA97BA86}"/>
+              </a:ext>
+            </a:extLst>
+          </p:cNvPr>
+          <p:cNvPicPr>
+            <a:picLocks noChangeAspect="1"/>
+          </p:cNvPicPr>
+          <p:nvPr/>
+        </p:nvPicPr>
+        <p:blipFill>
+          <a:blip r:embed="rId3"/>
+          <a:stretch>
+            <a:fillRect/>
+          </a:stretch>
+        </p:blipFill>
+        <p:spPr>
+          <a:xfrm>
+            <a:off x="9027828" y="210817"/>
+            <a:ext cx="2669870" cy="2429582"/>
+          </a:xfrm>
+          <a:prstGeom prst="rect">
+            <a:avLst/>
+          </a:prstGeom>
+        </p:spPr>
+      </p:pic>
+      <p:pic>
+        <p:nvPicPr>
+          <p:cNvPr id="4" name="Grafik 3">
+            <a:extLst>
+              <a:ext uri="{FF2B5EF4-FFF2-40B4-BE49-F238E27FC236}">
+                <a16:creationId xmlns:a16="http://schemas.microsoft.com/office/drawing/2014/main" id="{05BDE520-AF38-EC40-B137-A039FD099D4F}"/>
+              </a:ext>
+            </a:extLst>
+          </p:cNvPr>
+          <p:cNvPicPr>
+            <a:picLocks noChangeAspect="1"/>
+          </p:cNvPicPr>
+          <p:nvPr/>
+        </p:nvPicPr>
+        <p:blipFill>
+          <a:blip r:embed="rId4"/>
+          <a:stretch>
+            <a:fillRect/>
+          </a:stretch>
+        </p:blipFill>
+        <p:spPr>
+          <a:xfrm>
+            <a:off x="6613910" y="3478741"/>
+            <a:ext cx="1606964" cy="1606964"/>
+          </a:xfrm>
+          <a:prstGeom prst="rect">
+            <a:avLst/>
+          </a:prstGeom>
+        </p:spPr>
+      </p:pic>
+      <p:sp>
+        <p:nvSpPr>
+          <p:cNvPr id="19" name="Freeform 75">
+            <a:extLst>
+              <a:ext uri="{FF2B5EF4-FFF2-40B4-BE49-F238E27FC236}">
+                <a16:creationId xmlns:a16="http://schemas.microsoft.com/office/drawing/2014/main" id="{0035A30C-45F3-4EFB-B2E8-6E2A11843D39}"/>
+              </a:ext>
+              <a:ext uri="{C183D7F6-B498-43B3-948B-1728B52AA6E4}">
+                <adec:decorative xmlns:adec="http://schemas.microsoft.com/office/drawing/2017/decorative" val="1"/>
+              </a:ext>
+            </a:extLst>
+          </p:cNvPr>
+          <p:cNvSpPr>
+            <a:spLocks noGrp="1" noRot="1" noChangeAspect="1" noMove="1" noResize="1" noEditPoints="1" noAdjustHandles="1" noChangeArrowheads="1" noChangeShapeType="1" noTextEdit="1"/>
+          </p:cNvSpPr>
+          <p:nvPr>
+            <p:extLst>
+              <p:ext uri="{386F3935-93C4-4BCD-93E2-E3B085C9AB24}">
+                <p16:designElem xmlns:p16="http://schemas.microsoft.com/office/powerpoint/2015/main" val="1"/>
+              </p:ext>
+            </p:extLst>
+          </p:nvPr>
+        </p:nvSpPr>
+        <p:spPr>
+          <a:xfrm>
+            <a:off x="9059131" y="4258570"/>
+            <a:ext cx="3132869" cy="2599430"/>
+          </a:xfrm>
+          <a:custGeom>
+            <a:avLst/>
+            <a:gdLst>
+              <a:gd name="connsiteX0" fmla="*/ 1612418 w 3061881"/>
+              <a:gd name="connsiteY0" fmla="*/ 0 h 2540529"/>
+              <a:gd name="connsiteX1" fmla="*/ 3030226 w 3061881"/>
+              <a:gd name="connsiteY1" fmla="*/ 843844 h 2540529"/>
+              <a:gd name="connsiteX2" fmla="*/ 3061881 w 3061881"/>
+              <a:gd name="connsiteY2" fmla="*/ 909556 h 2540529"/>
+              <a:gd name="connsiteX3" fmla="*/ 3061881 w 3061881"/>
+              <a:gd name="connsiteY3" fmla="*/ 2315281 h 2540529"/>
+              <a:gd name="connsiteX4" fmla="*/ 3030226 w 3061881"/>
+              <a:gd name="connsiteY4" fmla="*/ 2380992 h 2540529"/>
+              <a:gd name="connsiteX5" fmla="*/ 2949460 w 3061881"/>
+              <a:gd name="connsiteY5" fmla="*/ 2513937 h 2540529"/>
+              <a:gd name="connsiteX6" fmla="*/ 2929575 w 3061881"/>
+              <a:gd name="connsiteY6" fmla="*/ 2540529 h 2540529"/>
+              <a:gd name="connsiteX7" fmla="*/ 295261 w 3061881"/>
+              <a:gd name="connsiteY7" fmla="*/ 2540529 h 2540529"/>
+              <a:gd name="connsiteX8" fmla="*/ 275376 w 3061881"/>
+              <a:gd name="connsiteY8" fmla="*/ 2513937 h 2540529"/>
+              <a:gd name="connsiteX9" fmla="*/ 0 w 3061881"/>
+              <a:gd name="connsiteY9" fmla="*/ 1612418 h 2540529"/>
+              <a:gd name="connsiteX10" fmla="*/ 1612418 w 3061881"/>
+              <a:gd name="connsiteY10" fmla="*/ 0 h 2540529"/>
+            </a:gdLst>
+            <a:ahLst/>
+            <a:cxnLst>
+              <a:cxn ang="0">
+                <a:pos x="connsiteX0" y="connsiteY0"/>
+              </a:cxn>
+              <a:cxn ang="0">
+                <a:pos x="connsiteX1" y="connsiteY1"/>
+              </a:cxn>
+              <a:cxn ang="0">
+                <a:pos x="connsiteX2" y="connsiteY2"/>
+              </a:cxn>
+              <a:cxn ang="0">
+                <a:pos x="connsiteX3" y="connsiteY3"/>
+              </a:cxn>
+              <a:cxn ang="0">
+                <a:pos x="connsiteX4" y="connsiteY4"/>
+              </a:cxn>
+              <a:cxn ang="0">
+                <a:pos x="connsiteX5" y="connsiteY5"/>
+              </a:cxn>
+              <a:cxn ang="0">
+                <a:pos x="connsiteX6" y="connsiteY6"/>
+              </a:cxn>
+              <a:cxn ang="0">
+                <a:pos x="connsiteX7" y="connsiteY7"/>
+              </a:cxn>
+              <a:cxn ang="0">
+                <a:pos x="connsiteX8" y="connsiteY8"/>
+              </a:cxn>
+              <a:cxn ang="0">
+                <a:pos x="connsiteX9" y="connsiteY9"/>
+              </a:cxn>
+              <a:cxn ang="0">
+                <a:pos x="connsiteX10" y="connsiteY10"/>
+              </a:cxn>
+            </a:cxnLst>
+            <a:rect l="l" t="t" r="r" b="b"/>
+            <a:pathLst>
+              <a:path w="3061881" h="2540529">
+                <a:moveTo>
+                  <a:pt x="1612418" y="0"/>
+                </a:moveTo>
+                <a:cubicBezTo>
+                  <a:pt x="2224646" y="0"/>
+                  <a:pt x="2757180" y="341213"/>
+                  <a:pt x="3030226" y="843844"/>
+                </a:cubicBezTo>
+                <a:lnTo>
+                  <a:pt x="3061881" y="909556"/>
+                </a:lnTo>
+                <a:lnTo>
+                  <a:pt x="3061881" y="2315281"/>
+                </a:lnTo>
+                <a:lnTo>
+                  <a:pt x="3030226" y="2380992"/>
+                </a:lnTo>
+                <a:cubicBezTo>
+                  <a:pt x="3005404" y="2426686"/>
+                  <a:pt x="2978437" y="2471046"/>
+                  <a:pt x="2949460" y="2513937"/>
+                </a:cubicBezTo>
+                <a:lnTo>
+                  <a:pt x="2929575" y="2540529"/>
+                </a:lnTo>
+                <a:lnTo>
+                  <a:pt x="295261" y="2540529"/>
+                </a:lnTo>
+                <a:lnTo>
+                  <a:pt x="275376" y="2513937"/>
+                </a:lnTo>
+                <a:cubicBezTo>
+                  <a:pt x="101518" y="2256593"/>
+                  <a:pt x="0" y="1946361"/>
+                  <a:pt x="0" y="1612418"/>
+                </a:cubicBezTo>
+                <a:cubicBezTo>
+                  <a:pt x="0" y="721904"/>
+                  <a:pt x="721904" y="0"/>
+                  <a:pt x="1612418" y="0"/>
+                </a:cubicBezTo>
+                <a:close/>
+              </a:path>
+            </a:pathLst>
+          </a:custGeom>
+          <a:solidFill>
+            <a:srgbClr val="FFFFFF"/>
+          </a:solidFill>
+          <a:ln>
+            <a:gradFill>
+              <a:gsLst>
+                <a:gs pos="0">
+                  <a:schemeClr val="accent1">
+                    <a:lumMod val="40000"/>
+                    <a:lumOff val="60000"/>
+                  </a:schemeClr>
+                </a:gs>
+                <a:gs pos="23000">
+                  <a:schemeClr val="accent1">
+                    <a:lumMod val="45000"/>
+                    <a:lumOff val="55000"/>
+                  </a:schemeClr>
+                </a:gs>
+                <a:gs pos="83000">
+                  <a:schemeClr val="bg2">
+                    <a:lumMod val="75000"/>
+                  </a:schemeClr>
+                </a:gs>
+                <a:gs pos="100000">
+                  <a:schemeClr val="bg2">
+                    <a:lumMod val="75000"/>
+                  </a:schemeClr>
+                </a:gs>
+              </a:gsLst>
+              <a:lin ang="5400000" scaled="1"/>
+            </a:gradFill>
+          </a:ln>
+        </p:spPr>
+        <p:style>
+          <a:lnRef idx="2">
+            <a:schemeClr val="accent1">
+              <a:shade val="50000"/>
+            </a:schemeClr>
+          </a:lnRef>
+          <a:fillRef idx="1">
+            <a:schemeClr val="accent1"/>
+          </a:fillRef>
+          <a:effectRef idx="0">
+            <a:schemeClr val="accent1"/>
+          </a:effectRef>
+          <a:fontRef idx="minor">
+            <a:schemeClr val="lt1"/>
+          </a:fontRef>
+        </p:style>
+        <p:txBody>
+          <a:bodyPr wrap="square" rtlCol="0" anchor="ctr">
+            <a:noAutofit/>
+          </a:bodyPr>
+          <a:lstStyle/>
+          <a:p>
+            <a:pPr algn="ctr"/>
+            <a:endParaRPr lang="en-US"/>
+          </a:p>
+        </p:txBody>
+      </p:sp>
+      <p:pic>
+        <p:nvPicPr>
+          <p:cNvPr id="5" name="Grafik 4">
+            <a:extLst>
+              <a:ext uri="{FF2B5EF4-FFF2-40B4-BE49-F238E27FC236}">
+                <a16:creationId xmlns:a16="http://schemas.microsoft.com/office/drawing/2014/main" id="{6F2436CE-EBF9-4D4C-8D08-3CFECC1F80D0}"/>
+              </a:ext>
+            </a:extLst>
+          </p:cNvPr>
+          <p:cNvPicPr>
+            <a:picLocks noChangeAspect="1"/>
+          </p:cNvPicPr>
+          <p:nvPr/>
+        </p:nvPicPr>
+        <p:blipFill>
+          <a:blip r:embed="rId5"/>
+          <a:stretch>
+            <a:fillRect/>
+          </a:stretch>
+        </p:blipFill>
+        <p:spPr>
+          <a:xfrm>
+            <a:off x="9813589" y="5010263"/>
+            <a:ext cx="1872074" cy="1661466"/>
+          </a:xfrm>
+          <a:prstGeom prst="rect">
+            <a:avLst/>
+          </a:prstGeom>
+        </p:spPr>
+      </p:pic>
     </p:spTree>
     <p:extLst>
       <p:ext uri="{BB962C8B-B14F-4D97-AF65-F5344CB8AC3E}">

--- a/Idea_Pitch.pptx
+++ b/Idea_Pitch.pptx
@@ -262,7 +262,7 @@
           <a:p>
             <a:fld id="{807B79D4-6B5A-1F4B-893F-FAFE452DC4BF}" type="datetimeFigureOut">
               <a:rPr lang="de-DE" smtClean="0"/>
-              <a:t>03.10.2019</a:t>
+              <a:t>04.10.2019</a:t>
             </a:fld>
             <a:endParaRPr lang="de-DE"/>
           </a:p>
@@ -460,7 +460,7 @@
           <a:p>
             <a:fld id="{807B79D4-6B5A-1F4B-893F-FAFE452DC4BF}" type="datetimeFigureOut">
               <a:rPr lang="de-DE" smtClean="0"/>
-              <a:t>03.10.2019</a:t>
+              <a:t>04.10.2019</a:t>
             </a:fld>
             <a:endParaRPr lang="de-DE"/>
           </a:p>
@@ -668,7 +668,7 @@
           <a:p>
             <a:fld id="{807B79D4-6B5A-1F4B-893F-FAFE452DC4BF}" type="datetimeFigureOut">
               <a:rPr lang="de-DE" smtClean="0"/>
-              <a:t>03.10.2019</a:t>
+              <a:t>04.10.2019</a:t>
             </a:fld>
             <a:endParaRPr lang="de-DE"/>
           </a:p>
@@ -866,7 +866,7 @@
           <a:p>
             <a:fld id="{807B79D4-6B5A-1F4B-893F-FAFE452DC4BF}" type="datetimeFigureOut">
               <a:rPr lang="de-DE" smtClean="0"/>
-              <a:t>03.10.2019</a:t>
+              <a:t>04.10.2019</a:t>
             </a:fld>
             <a:endParaRPr lang="de-DE"/>
           </a:p>
@@ -1141,7 +1141,7 @@
           <a:p>
             <a:fld id="{807B79D4-6B5A-1F4B-893F-FAFE452DC4BF}" type="datetimeFigureOut">
               <a:rPr lang="de-DE" smtClean="0"/>
-              <a:t>03.10.2019</a:t>
+              <a:t>04.10.2019</a:t>
             </a:fld>
             <a:endParaRPr lang="de-DE"/>
           </a:p>
@@ -1406,7 +1406,7 @@
           <a:p>
             <a:fld id="{807B79D4-6B5A-1F4B-893F-FAFE452DC4BF}" type="datetimeFigureOut">
               <a:rPr lang="de-DE" smtClean="0"/>
-              <a:t>03.10.2019</a:t>
+              <a:t>04.10.2019</a:t>
             </a:fld>
             <a:endParaRPr lang="de-DE"/>
           </a:p>
@@ -1818,7 +1818,7 @@
           <a:p>
             <a:fld id="{807B79D4-6B5A-1F4B-893F-FAFE452DC4BF}" type="datetimeFigureOut">
               <a:rPr lang="de-DE" smtClean="0"/>
-              <a:t>03.10.2019</a:t>
+              <a:t>04.10.2019</a:t>
             </a:fld>
             <a:endParaRPr lang="de-DE"/>
           </a:p>
@@ -1959,7 +1959,7 @@
           <a:p>
             <a:fld id="{807B79D4-6B5A-1F4B-893F-FAFE452DC4BF}" type="datetimeFigureOut">
               <a:rPr lang="de-DE" smtClean="0"/>
-              <a:t>03.10.2019</a:t>
+              <a:t>04.10.2019</a:t>
             </a:fld>
             <a:endParaRPr lang="de-DE"/>
           </a:p>
@@ -2072,7 +2072,7 @@
           <a:p>
             <a:fld id="{807B79D4-6B5A-1F4B-893F-FAFE452DC4BF}" type="datetimeFigureOut">
               <a:rPr lang="de-DE" smtClean="0"/>
-              <a:t>03.10.2019</a:t>
+              <a:t>04.10.2019</a:t>
             </a:fld>
             <a:endParaRPr lang="de-DE"/>
           </a:p>
@@ -2383,7 +2383,7 @@
           <a:p>
             <a:fld id="{807B79D4-6B5A-1F4B-893F-FAFE452DC4BF}" type="datetimeFigureOut">
               <a:rPr lang="de-DE" smtClean="0"/>
-              <a:t>03.10.2019</a:t>
+              <a:t>04.10.2019</a:t>
             </a:fld>
             <a:endParaRPr lang="de-DE"/>
           </a:p>
@@ -2671,7 +2671,7 @@
           <a:p>
             <a:fld id="{807B79D4-6B5A-1F4B-893F-FAFE452DC4BF}" type="datetimeFigureOut">
               <a:rPr lang="de-DE" smtClean="0"/>
-              <a:t>03.10.2019</a:t>
+              <a:t>04.10.2019</a:t>
             </a:fld>
             <a:endParaRPr lang="de-DE"/>
           </a:p>
@@ -2912,7 +2912,7 @@
           <a:p>
             <a:fld id="{807B79D4-6B5A-1F4B-893F-FAFE452DC4BF}" type="datetimeFigureOut">
               <a:rPr lang="de-DE" smtClean="0"/>
-              <a:t>03.10.2019</a:t>
+              <a:t>04.10.2019</a:t>
             </a:fld>
             <a:endParaRPr lang="de-DE"/>
           </a:p>
@@ -3596,7 +3596,7 @@
             </a:r>
             <a:r>
               <a:rPr lang="de-CH" dirty="0" err="1"/>
-              <a:t>student</a:t>
+              <a:t>students</a:t>
             </a:r>
             <a:r>
               <a:rPr lang="de-CH" dirty="0"/>
@@ -3677,10 +3677,10 @@
       </p:pic>
       <p:pic>
         <p:nvPicPr>
-          <p:cNvPr id="22" name="Grafik 21">
-            <a:extLst>
-              <a:ext uri="{FF2B5EF4-FFF2-40B4-BE49-F238E27FC236}">
-                <a16:creationId xmlns:a16="http://schemas.microsoft.com/office/drawing/2014/main" id="{A7527CE7-010A-419B-8B7E-3C89A33A6282}"/>
+          <p:cNvPr id="7" name="Grafik 6">
+            <a:extLst>
+              <a:ext uri="{FF2B5EF4-FFF2-40B4-BE49-F238E27FC236}">
+                <a16:creationId xmlns:a16="http://schemas.microsoft.com/office/drawing/2014/main" id="{0E95AB48-24AA-43EE-80FE-55EFEC078A25}"/>
               </a:ext>
             </a:extLst>
           </p:cNvPr>
@@ -3856,33 +3856,15 @@
                                   </p:childTnLst>
                                 </p:cTn>
                               </p:par>
-                            </p:childTnLst>
-                          </p:cTn>
-                        </p:par>
-                      </p:childTnLst>
-                    </p:cTn>
-                  </p:par>
-                  <p:par>
-                    <p:cTn id="15" fill="hold">
-                      <p:stCondLst>
-                        <p:cond delay="indefinite"/>
-                      </p:stCondLst>
-                      <p:childTnLst>
-                        <p:par>
-                          <p:cTn id="16" fill="hold">
-                            <p:stCondLst>
-                              <p:cond delay="0"/>
-                            </p:stCondLst>
-                            <p:childTnLst>
                               <p:par>
-                                <p:cTn id="17" presetID="1" presetClass="entr" presetSubtype="0" fill="hold" grpId="0" nodeType="clickEffect">
+                                <p:cTn id="15" presetID="1" presetClass="entr" presetSubtype="0" fill="hold" grpId="0" nodeType="withEffect">
                                   <p:stCondLst>
                                     <p:cond delay="0"/>
                                   </p:stCondLst>
                                   <p:childTnLst>
                                     <p:set>
                                       <p:cBhvr>
-                                        <p:cTn id="18" dur="1" fill="hold">
+                                        <p:cTn id="16" dur="1" fill="hold">
                                           <p:stCondLst>
                                             <p:cond delay="0"/>
                                           </p:stCondLst>
@@ -3905,33 +3887,15 @@
                                   </p:childTnLst>
                                 </p:cTn>
                               </p:par>
-                            </p:childTnLst>
-                          </p:cTn>
-                        </p:par>
-                      </p:childTnLst>
-                    </p:cTn>
-                  </p:par>
-                  <p:par>
-                    <p:cTn id="19" fill="hold">
-                      <p:stCondLst>
-                        <p:cond delay="indefinite"/>
-                      </p:stCondLst>
-                      <p:childTnLst>
-                        <p:par>
-                          <p:cTn id="20" fill="hold">
-                            <p:stCondLst>
-                              <p:cond delay="0"/>
-                            </p:stCondLst>
-                            <p:childTnLst>
                               <p:par>
-                                <p:cTn id="21" presetID="1" presetClass="entr" presetSubtype="0" fill="hold" grpId="0" nodeType="clickEffect">
+                                <p:cTn id="17" presetID="1" presetClass="entr" presetSubtype="0" fill="hold" grpId="0" nodeType="withEffect">
                                   <p:stCondLst>
                                     <p:cond delay="0"/>
                                   </p:stCondLst>
                                   <p:childTnLst>
                                     <p:set>
                                       <p:cBhvr>
-                                        <p:cTn id="22" dur="1" fill="hold">
+                                        <p:cTn id="18" dur="1" fill="hold">
                                           <p:stCondLst>
                                             <p:cond delay="0"/>
                                           </p:stCondLst>
@@ -3957,30 +3921,21 @@
                             </p:childTnLst>
                           </p:cTn>
                         </p:par>
-                      </p:childTnLst>
-                    </p:cTn>
-                  </p:par>
-                  <p:par>
-                    <p:cTn id="23" fill="hold">
-                      <p:stCondLst>
-                        <p:cond delay="indefinite"/>
-                      </p:stCondLst>
-                      <p:childTnLst>
                         <p:par>
-                          <p:cTn id="24" fill="hold">
+                          <p:cTn id="19" fill="hold">
                             <p:stCondLst>
                               <p:cond delay="0"/>
                             </p:stCondLst>
                             <p:childTnLst>
                               <p:par>
-                                <p:cTn id="25" presetID="1" presetClass="entr" presetSubtype="0" fill="hold" grpId="0" nodeType="clickEffect">
+                                <p:cTn id="20" presetID="1" presetClass="entr" presetSubtype="0" fill="hold" grpId="0" nodeType="afterEffect">
                                   <p:stCondLst>
-                                    <p:cond delay="0"/>
+                                    <p:cond delay="5000"/>
                                   </p:stCondLst>
                                   <p:childTnLst>
                                     <p:set>
                                       <p:cBhvr>
-                                        <p:cTn id="26" dur="1" fill="hold">
+                                        <p:cTn id="21" dur="1" fill="hold">
                                           <p:stCondLst>
                                             <p:cond delay="0"/>
                                           </p:stCondLst>
@@ -4006,30 +3961,21 @@
                             </p:childTnLst>
                           </p:cTn>
                         </p:par>
-                      </p:childTnLst>
-                    </p:cTn>
-                  </p:par>
-                  <p:par>
-                    <p:cTn id="27" fill="hold">
-                      <p:stCondLst>
-                        <p:cond delay="indefinite"/>
-                      </p:stCondLst>
-                      <p:childTnLst>
                         <p:par>
-                          <p:cTn id="28" fill="hold">
+                          <p:cTn id="22" fill="hold">
                             <p:stCondLst>
-                              <p:cond delay="0"/>
+                              <p:cond delay="5000"/>
                             </p:stCondLst>
                             <p:childTnLst>
                               <p:par>
-                                <p:cTn id="29" presetID="1" presetClass="entr" presetSubtype="0" fill="hold" grpId="0" nodeType="clickEffect">
+                                <p:cTn id="23" presetID="1" presetClass="entr" presetSubtype="0" fill="hold" grpId="0" nodeType="afterEffect">
                                   <p:stCondLst>
-                                    <p:cond delay="0"/>
+                                    <p:cond delay="5000"/>
                                   </p:stCondLst>
                                   <p:childTnLst>
                                     <p:set>
                                       <p:cBhvr>
-                                        <p:cTn id="30" dur="1" fill="hold">
+                                        <p:cTn id="24" dur="1" fill="hold">
                                           <p:stCondLst>
                                             <p:cond delay="0"/>
                                           </p:stCondLst>
@@ -4059,32 +4005,32 @@
                     </p:cTn>
                   </p:par>
                   <p:par>
-                    <p:cTn id="31" fill="hold">
+                    <p:cTn id="25" fill="hold">
                       <p:stCondLst>
                         <p:cond delay="indefinite"/>
                       </p:stCondLst>
                       <p:childTnLst>
                         <p:par>
-                          <p:cTn id="32" fill="hold">
+                          <p:cTn id="26" fill="hold">
                             <p:stCondLst>
                               <p:cond delay="0"/>
                             </p:stCondLst>
                             <p:childTnLst>
                               <p:par>
-                                <p:cTn id="33" presetID="1" presetClass="entr" presetSubtype="0" fill="hold" nodeType="clickEffect">
+                                <p:cTn id="27" presetID="1" presetClass="entr" presetSubtype="0" fill="hold" nodeType="clickEffect">
                                   <p:stCondLst>
                                     <p:cond delay="0"/>
                                   </p:stCondLst>
                                   <p:childTnLst>
                                     <p:set>
                                       <p:cBhvr>
-                                        <p:cTn id="34" dur="1" fill="hold">
+                                        <p:cTn id="28" dur="1" fill="hold">
                                           <p:stCondLst>
                                             <p:cond delay="0"/>
                                           </p:stCondLst>
                                         </p:cTn>
                                         <p:tgtEl>
-                                          <p:spTgt spid="22"/>
+                                          <p:spTgt spid="7"/>
                                         </p:tgtEl>
                                         <p:attrNameLst>
                                           <p:attrName>style.visibility</p:attrName>
@@ -4125,7 +4071,7 @@
       </p:par>
     </p:tnLst>
     <p:bldLst>
-      <p:bldP spid="9" grpId="0" build="p"/>
+      <p:bldP spid="9" grpId="0" uiExpand="1" build="p"/>
     </p:bldLst>
   </p:timing>
 </p:sld>

--- a/Idea_Pitch.pptx
+++ b/Idea_Pitch.pptx
@@ -3408,13 +3408,14 @@
           <a:p>
             <a:r>
               <a:rPr lang="de-DE" dirty="0"/>
-              <a:t>Agile Business Analysis </a:t>
-            </a:r>
-            <a:r>
-              <a:rPr lang="de-DE" dirty="0" err="1"/>
-              <a:t>tool</a:t>
-            </a:r>
-            <a:endParaRPr lang="de-DE" dirty="0"/>
+              <a:t>Agile Business Analysis</a:t>
+            </a:r>
+          </a:p>
+          <a:p>
+            <a:r>
+              <a:rPr lang="de-DE" sz="1800" dirty="0"/>
+              <a:t>Lorenzo, Luca, Marc</a:t>
+            </a:r>
           </a:p>
         </p:txBody>
       </p:sp>
@@ -3677,10 +3678,10 @@
       </p:pic>
       <p:pic>
         <p:nvPicPr>
-          <p:cNvPr id="7" name="Grafik 6">
-            <a:extLst>
-              <a:ext uri="{FF2B5EF4-FFF2-40B4-BE49-F238E27FC236}">
-                <a16:creationId xmlns:a16="http://schemas.microsoft.com/office/drawing/2014/main" id="{0E95AB48-24AA-43EE-80FE-55EFEC078A25}"/>
+          <p:cNvPr id="8" name="Grafik 7">
+            <a:extLst>
+              <a:ext uri="{FF2B5EF4-FFF2-40B4-BE49-F238E27FC236}">
+                <a16:creationId xmlns:a16="http://schemas.microsoft.com/office/drawing/2014/main" id="{58333255-3D6E-4A73-B483-71B7624EE6A6}"/>
               </a:ext>
             </a:extLst>
           </p:cNvPr>
@@ -4030,7 +4031,7 @@
                                           </p:stCondLst>
                                         </p:cTn>
                                         <p:tgtEl>
-                                          <p:spTgt spid="7"/>
+                                          <p:spTgt spid="8"/>
                                         </p:tgtEl>
                                         <p:attrNameLst>
                                           <p:attrName>style.visibility</p:attrName>
